--- a/tests/testthat/temp_fullslide_43.pptx
+++ b/tests/testthat/temp_fullslide_43.pptx
@@ -495,7 +495,7 @@
             <a:r>
               <a:rPr/>
               <a:t>
-Powerpoint file location: /Users/mbbowes/Documents/GitHub/grattantheme/tests/testthat/temp_fullslide_43.pptx</a:t>
+Powerpoint file location: C:\Users\parkinsonn\Documents\grattantheme\tests\testthat\temp_fullslide_43.pptx</a:t>
             </a:r>
           </a:p>
         </p:txBody>
@@ -2610,8 +2610,8 @@
           </p:nvSpPr>
           <p:spPr>
             <a:xfrm>
-              <a:off x="1061020" y="1441338"/>
-              <a:ext cx="7499980" cy="4536581"/>
+              <a:off x="1059314" y="1441338"/>
+              <a:ext cx="7501686" cy="4539651"/>
             </a:xfrm>
             <a:prstGeom prst="rect">
               <a:avLst/>
@@ -2636,21 +2636,21 @@
           </p:nvSpPr>
           <p:spPr>
             <a:xfrm>
-              <a:off x="1061020" y="5403169"/>
-              <a:ext cx="7499980" cy="0"/>
+              <a:off x="1059314" y="5405849"/>
+              <a:ext cx="7501686" cy="0"/>
             </a:xfrm>
             <a:custGeom>
               <a:avLst/>
               <a:pathLst>
-                <a:path w="7499980" h="0">
+                <a:path w="7501686" h="0">
                   <a:moveTo>
                     <a:pt x="0" y="0"/>
                   </a:moveTo>
                   <a:lnTo>
-                    <a:pt x="7499980" y="0"/>
+                    <a:pt x="7501686" y="0"/>
                   </a:lnTo>
                   <a:lnTo>
-                    <a:pt x="7499980" y="0"/>
+                    <a:pt x="7501686" y="0"/>
                   </a:lnTo>
                 </a:path>
               </a:pathLst>
@@ -2679,21 +2679,21 @@
           </p:nvSpPr>
           <p:spPr>
             <a:xfrm>
-              <a:off x="1061020" y="4525687"/>
-              <a:ext cx="7499980" cy="0"/>
+              <a:off x="1059314" y="4527774"/>
+              <a:ext cx="7501686" cy="0"/>
             </a:xfrm>
             <a:custGeom>
               <a:avLst/>
               <a:pathLst>
-                <a:path w="7499980" h="0">
+                <a:path w="7501686" h="0">
                   <a:moveTo>
                     <a:pt x="0" y="0"/>
                   </a:moveTo>
                   <a:lnTo>
-                    <a:pt x="7499980" y="0"/>
+                    <a:pt x="7501686" y="0"/>
                   </a:lnTo>
                   <a:lnTo>
-                    <a:pt x="7499980" y="0"/>
+                    <a:pt x="7501686" y="0"/>
                   </a:lnTo>
                 </a:path>
               </a:pathLst>
@@ -2722,21 +2722,21 @@
           </p:nvSpPr>
           <p:spPr>
             <a:xfrm>
-              <a:off x="1061020" y="3648205"/>
-              <a:ext cx="7499980" cy="0"/>
+              <a:off x="1059314" y="3649698"/>
+              <a:ext cx="7501686" cy="0"/>
             </a:xfrm>
             <a:custGeom>
               <a:avLst/>
               <a:pathLst>
-                <a:path w="7499980" h="0">
+                <a:path w="7501686" h="0">
                   <a:moveTo>
                     <a:pt x="0" y="0"/>
                   </a:moveTo>
                   <a:lnTo>
-                    <a:pt x="7499980" y="0"/>
+                    <a:pt x="7501686" y="0"/>
                   </a:lnTo>
                   <a:lnTo>
-                    <a:pt x="7499980" y="0"/>
+                    <a:pt x="7501686" y="0"/>
                   </a:lnTo>
                 </a:path>
               </a:pathLst>
@@ -2765,21 +2765,21 @@
           </p:nvSpPr>
           <p:spPr>
             <a:xfrm>
-              <a:off x="1061020" y="2770723"/>
-              <a:ext cx="7499980" cy="0"/>
+              <a:off x="1059314" y="2771622"/>
+              <a:ext cx="7501686" cy="0"/>
             </a:xfrm>
             <a:custGeom>
               <a:avLst/>
               <a:pathLst>
-                <a:path w="7499980" h="0">
+                <a:path w="7501686" h="0">
                   <a:moveTo>
                     <a:pt x="0" y="0"/>
                   </a:moveTo>
                   <a:lnTo>
-                    <a:pt x="7499980" y="0"/>
+                    <a:pt x="7501686" y="0"/>
                   </a:lnTo>
                   <a:lnTo>
-                    <a:pt x="7499980" y="0"/>
+                    <a:pt x="7501686" y="0"/>
                   </a:lnTo>
                 </a:path>
               </a:pathLst>
@@ -2808,21 +2808,21 @@
           </p:nvSpPr>
           <p:spPr>
             <a:xfrm>
-              <a:off x="1061020" y="1893241"/>
-              <a:ext cx="7499980" cy="0"/>
+              <a:off x="1059314" y="1893547"/>
+              <a:ext cx="7501686" cy="0"/>
             </a:xfrm>
             <a:custGeom>
               <a:avLst/>
               <a:pathLst>
-                <a:path w="7499980" h="0">
+                <a:path w="7501686" h="0">
                   <a:moveTo>
                     <a:pt x="0" y="0"/>
                   </a:moveTo>
                   <a:lnTo>
-                    <a:pt x="7499980" y="0"/>
+                    <a:pt x="7501686" y="0"/>
                   </a:lnTo>
                   <a:lnTo>
-                    <a:pt x="7499980" y="0"/>
+                    <a:pt x="7501686" y="0"/>
                   </a:lnTo>
                 </a:path>
               </a:pathLst>
@@ -2851,15 +2851,15 @@
           </p:nvSpPr>
           <p:spPr>
             <a:xfrm>
-              <a:off x="1379264" y="1441338"/>
-              <a:ext cx="0" cy="4536581"/>
+              <a:off x="1377632" y="1441338"/>
+              <a:ext cx="0" cy="4539651"/>
             </a:xfrm>
             <a:custGeom>
               <a:avLst/>
               <a:pathLst>
-                <a:path w="0" h="4536581">
+                <a:path w="0" h="4539651">
                   <a:moveTo>
-                    <a:pt x="0" y="4536581"/>
+                    <a:pt x="0" y="4539651"/>
                   </a:moveTo>
                   <a:lnTo>
                     <a:pt x="0" y="0"/>
@@ -2894,15 +2894,15 @@
           </p:nvSpPr>
           <p:spPr>
             <a:xfrm>
-              <a:off x="3122595" y="1441338"/>
-              <a:ext cx="0" cy="4536581"/>
+              <a:off x="3121358" y="1441338"/>
+              <a:ext cx="0" cy="4539651"/>
             </a:xfrm>
             <a:custGeom>
               <a:avLst/>
               <a:pathLst>
-                <a:path w="0" h="4536581">
+                <a:path w="0" h="4539651">
                   <a:moveTo>
-                    <a:pt x="0" y="4536581"/>
+                    <a:pt x="0" y="4539651"/>
                   </a:moveTo>
                   <a:lnTo>
                     <a:pt x="0" y="0"/>
@@ -2937,15 +2937,15 @@
           </p:nvSpPr>
           <p:spPr>
             <a:xfrm>
-              <a:off x="4865925" y="1441338"/>
-              <a:ext cx="0" cy="4536581"/>
+              <a:off x="4865085" y="1441338"/>
+              <a:ext cx="0" cy="4539651"/>
             </a:xfrm>
             <a:custGeom>
               <a:avLst/>
               <a:pathLst>
-                <a:path w="0" h="4536581">
+                <a:path w="0" h="4539651">
                   <a:moveTo>
-                    <a:pt x="0" y="4536581"/>
+                    <a:pt x="0" y="4539651"/>
                   </a:moveTo>
                   <a:lnTo>
                     <a:pt x="0" y="0"/>
@@ -2980,15 +2980,15 @@
           </p:nvSpPr>
           <p:spPr>
             <a:xfrm>
-              <a:off x="6609255" y="1441338"/>
-              <a:ext cx="0" cy="4536581"/>
+              <a:off x="6608811" y="1441338"/>
+              <a:ext cx="0" cy="4539651"/>
             </a:xfrm>
             <a:custGeom>
               <a:avLst/>
               <a:pathLst>
-                <a:path w="0" h="4536581">
+                <a:path w="0" h="4539651">
                   <a:moveTo>
-                    <a:pt x="0" y="4536581"/>
+                    <a:pt x="0" y="4539651"/>
                   </a:moveTo>
                   <a:lnTo>
                     <a:pt x="0" y="0"/>
@@ -3023,15 +3023,15 @@
           </p:nvSpPr>
           <p:spPr>
             <a:xfrm>
-              <a:off x="8352585" y="1441338"/>
-              <a:ext cx="0" cy="4536581"/>
+              <a:off x="8352538" y="1441338"/>
+              <a:ext cx="0" cy="4539651"/>
             </a:xfrm>
             <a:custGeom>
               <a:avLst/>
               <a:pathLst>
-                <a:path w="0" h="4536581">
+                <a:path w="0" h="4539651">
                   <a:moveTo>
-                    <a:pt x="0" y="4536581"/>
+                    <a:pt x="0" y="4539651"/>
                   </a:moveTo>
                   <a:lnTo>
                     <a:pt x="0" y="0"/>
@@ -3066,21 +3066,21 @@
           </p:nvSpPr>
           <p:spPr>
             <a:xfrm>
-              <a:off x="1061020" y="5841910"/>
-              <a:ext cx="7499980" cy="0"/>
+              <a:off x="1059314" y="5844887"/>
+              <a:ext cx="7501686" cy="0"/>
             </a:xfrm>
             <a:custGeom>
               <a:avLst/>
               <a:pathLst>
-                <a:path w="7499980" h="0">
+                <a:path w="7501686" h="0">
                   <a:moveTo>
                     <a:pt x="0" y="0"/>
                   </a:moveTo>
                   <a:lnTo>
-                    <a:pt x="7499980" y="0"/>
+                    <a:pt x="7501686" y="0"/>
                   </a:lnTo>
                   <a:lnTo>
-                    <a:pt x="7499980" y="0"/>
+                    <a:pt x="7501686" y="0"/>
                   </a:lnTo>
                 </a:path>
               </a:pathLst>
@@ -3109,21 +3109,21 @@
           </p:nvSpPr>
           <p:spPr>
             <a:xfrm>
-              <a:off x="1061020" y="4964428"/>
-              <a:ext cx="7499980" cy="0"/>
+              <a:off x="1059314" y="4966812"/>
+              <a:ext cx="7501686" cy="0"/>
             </a:xfrm>
             <a:custGeom>
               <a:avLst/>
               <a:pathLst>
-                <a:path w="7499980" h="0">
+                <a:path w="7501686" h="0">
                   <a:moveTo>
                     <a:pt x="0" y="0"/>
                   </a:moveTo>
                   <a:lnTo>
-                    <a:pt x="7499980" y="0"/>
+                    <a:pt x="7501686" y="0"/>
                   </a:lnTo>
                   <a:lnTo>
-                    <a:pt x="7499980" y="0"/>
+                    <a:pt x="7501686" y="0"/>
                   </a:lnTo>
                 </a:path>
               </a:pathLst>
@@ -3152,21 +3152,21 @@
           </p:nvSpPr>
           <p:spPr>
             <a:xfrm>
-              <a:off x="1061020" y="4086946"/>
-              <a:ext cx="7499980" cy="0"/>
+              <a:off x="1059314" y="4088736"/>
+              <a:ext cx="7501686" cy="0"/>
             </a:xfrm>
             <a:custGeom>
               <a:avLst/>
               <a:pathLst>
-                <a:path w="7499980" h="0">
+                <a:path w="7501686" h="0">
                   <a:moveTo>
                     <a:pt x="0" y="0"/>
                   </a:moveTo>
                   <a:lnTo>
-                    <a:pt x="7499980" y="0"/>
+                    <a:pt x="7501686" y="0"/>
                   </a:lnTo>
                   <a:lnTo>
-                    <a:pt x="7499980" y="0"/>
+                    <a:pt x="7501686" y="0"/>
                   </a:lnTo>
                 </a:path>
               </a:pathLst>
@@ -3195,21 +3195,21 @@
           </p:nvSpPr>
           <p:spPr>
             <a:xfrm>
-              <a:off x="1061020" y="3209464"/>
-              <a:ext cx="7499980" cy="0"/>
+              <a:off x="1059314" y="3210660"/>
+              <a:ext cx="7501686" cy="0"/>
             </a:xfrm>
             <a:custGeom>
               <a:avLst/>
               <a:pathLst>
-                <a:path w="7499980" h="0">
+                <a:path w="7501686" h="0">
                   <a:moveTo>
                     <a:pt x="0" y="0"/>
                   </a:moveTo>
                   <a:lnTo>
-                    <a:pt x="7499980" y="0"/>
+                    <a:pt x="7501686" y="0"/>
                   </a:lnTo>
                   <a:lnTo>
-                    <a:pt x="7499980" y="0"/>
+                    <a:pt x="7501686" y="0"/>
                   </a:lnTo>
                 </a:path>
               </a:pathLst>
@@ -3238,21 +3238,21 @@
           </p:nvSpPr>
           <p:spPr>
             <a:xfrm>
-              <a:off x="1061020" y="2331982"/>
-              <a:ext cx="7499980" cy="0"/>
+              <a:off x="1059314" y="2332584"/>
+              <a:ext cx="7501686" cy="0"/>
             </a:xfrm>
             <a:custGeom>
               <a:avLst/>
               <a:pathLst>
-                <a:path w="7499980" h="0">
+                <a:path w="7501686" h="0">
                   <a:moveTo>
                     <a:pt x="0" y="0"/>
                   </a:moveTo>
                   <a:lnTo>
-                    <a:pt x="7499980" y="0"/>
+                    <a:pt x="7501686" y="0"/>
                   </a:lnTo>
                   <a:lnTo>
-                    <a:pt x="7499980" y="0"/>
+                    <a:pt x="7501686" y="0"/>
                   </a:lnTo>
                 </a:path>
               </a:pathLst>
@@ -3281,21 +3281,21 @@
           </p:nvSpPr>
           <p:spPr>
             <a:xfrm>
-              <a:off x="1061020" y="1454500"/>
-              <a:ext cx="7499980" cy="0"/>
+              <a:off x="1059314" y="1454509"/>
+              <a:ext cx="7501686" cy="0"/>
             </a:xfrm>
             <a:custGeom>
               <a:avLst/>
               <a:pathLst>
-                <a:path w="7499980" h="0">
+                <a:path w="7501686" h="0">
                   <a:moveTo>
                     <a:pt x="0" y="0"/>
                   </a:moveTo>
                   <a:lnTo>
-                    <a:pt x="7499980" y="0"/>
+                    <a:pt x="7501686" y="0"/>
                   </a:lnTo>
                   <a:lnTo>
-                    <a:pt x="7499980" y="0"/>
+                    <a:pt x="7501686" y="0"/>
                   </a:lnTo>
                 </a:path>
               </a:pathLst>
@@ -3324,15 +3324,15 @@
           </p:nvSpPr>
           <p:spPr>
             <a:xfrm>
-              <a:off x="2250930" y="1441338"/>
-              <a:ext cx="0" cy="4536581"/>
+              <a:off x="2249495" y="1441338"/>
+              <a:ext cx="0" cy="4539651"/>
             </a:xfrm>
             <a:custGeom>
               <a:avLst/>
               <a:pathLst>
-                <a:path w="0" h="4536581">
+                <a:path w="0" h="4539651">
                   <a:moveTo>
-                    <a:pt x="0" y="4536581"/>
+                    <a:pt x="0" y="4539651"/>
                   </a:moveTo>
                   <a:lnTo>
                     <a:pt x="0" y="0"/>
@@ -3367,15 +3367,15 @@
           </p:nvSpPr>
           <p:spPr>
             <a:xfrm>
-              <a:off x="3994260" y="1441338"/>
-              <a:ext cx="0" cy="4536581"/>
+              <a:off x="3993221" y="1441338"/>
+              <a:ext cx="0" cy="4539651"/>
             </a:xfrm>
             <a:custGeom>
               <a:avLst/>
               <a:pathLst>
-                <a:path w="0" h="4536581">
+                <a:path w="0" h="4539651">
                   <a:moveTo>
-                    <a:pt x="0" y="4536581"/>
+                    <a:pt x="0" y="4539651"/>
                   </a:moveTo>
                   <a:lnTo>
                     <a:pt x="0" y="0"/>
@@ -3410,15 +3410,15 @@
           </p:nvSpPr>
           <p:spPr>
             <a:xfrm>
-              <a:off x="5737590" y="1441338"/>
-              <a:ext cx="0" cy="4536581"/>
+              <a:off x="5736948" y="1441338"/>
+              <a:ext cx="0" cy="4539651"/>
             </a:xfrm>
             <a:custGeom>
               <a:avLst/>
               <a:pathLst>
-                <a:path w="0" h="4536581">
+                <a:path w="0" h="4539651">
                   <a:moveTo>
-                    <a:pt x="0" y="4536581"/>
+                    <a:pt x="0" y="4539651"/>
                   </a:moveTo>
                   <a:lnTo>
                     <a:pt x="0" y="0"/>
@@ -3453,15 +3453,15 @@
           </p:nvSpPr>
           <p:spPr>
             <a:xfrm>
-              <a:off x="7480920" y="1441338"/>
-              <a:ext cx="0" cy="4536581"/>
+              <a:off x="7480675" y="1441338"/>
+              <a:ext cx="0" cy="4539651"/>
             </a:xfrm>
             <a:custGeom>
               <a:avLst/>
               <a:pathLst>
-                <a:path w="0" h="4536581">
+                <a:path w="0" h="4539651">
                   <a:moveTo>
-                    <a:pt x="0" y="4536581"/>
+                    <a:pt x="0" y="4539651"/>
                   </a:moveTo>
                   <a:lnTo>
                     <a:pt x="0" y="0"/>
@@ -3496,7 +3496,7 @@
           </p:nvSpPr>
           <p:spPr>
             <a:xfrm>
-              <a:off x="3298719" y="3878374"/>
+              <a:off x="3297530" y="3880046"/>
               <a:ext cx="66150" cy="66150"/>
             </a:xfrm>
             <a:prstGeom prst="ellipse">
@@ -3531,7 +3531,7 @@
           </p:nvSpPr>
           <p:spPr>
             <a:xfrm>
-              <a:off x="3743269" y="3878374"/>
+              <a:off x="3742181" y="3880046"/>
               <a:ext cx="66150" cy="66150"/>
             </a:xfrm>
             <a:prstGeom prst="ellipse">
@@ -3566,7 +3566,7 @@
           </p:nvSpPr>
           <p:spPr>
             <a:xfrm>
-              <a:off x="2775720" y="3562481"/>
+              <a:off x="2774412" y="3563938"/>
               <a:ext cx="66150" cy="66150"/>
             </a:xfrm>
             <a:prstGeom prst="ellipse">
@@ -3601,7 +3601,7 @@
           </p:nvSpPr>
           <p:spPr>
             <a:xfrm>
-              <a:off x="4336001" y="3808176"/>
+              <a:off x="4335048" y="3809800"/>
               <a:ext cx="66150" cy="66150"/>
             </a:xfrm>
             <a:prstGeom prst="ellipse">
@@ -3636,7 +3636,7 @@
           </p:nvSpPr>
           <p:spPr>
             <a:xfrm>
-              <a:off x="4728250" y="4282016"/>
+              <a:off x="4727386" y="4283961"/>
               <a:ext cx="66150" cy="66150"/>
             </a:xfrm>
             <a:prstGeom prst="ellipse">
@@ -3671,7 +3671,7 @@
           </p:nvSpPr>
           <p:spPr>
             <a:xfrm>
-              <a:off x="4763117" y="4387314"/>
+              <a:off x="4762261" y="4389330"/>
               <a:ext cx="66150" cy="66150"/>
             </a:xfrm>
             <a:prstGeom prst="ellipse">
@@ -3706,7 +3706,7 @@
           </p:nvSpPr>
           <p:spPr>
             <a:xfrm>
-              <a:off x="4954883" y="5054200"/>
+              <a:off x="4954071" y="5056667"/>
               <a:ext cx="66150" cy="66150"/>
             </a:xfrm>
             <a:prstGeom prst="ellipse">
@@ -3741,7 +3741,7 @@
           </p:nvSpPr>
           <p:spPr>
             <a:xfrm>
-              <a:off x="4292418" y="3281687"/>
+              <a:off x="4291454" y="3282954"/>
               <a:ext cx="66150" cy="66150"/>
             </a:xfrm>
             <a:prstGeom prst="ellipse">
@@ -3776,7 +3776,7 @@
           </p:nvSpPr>
           <p:spPr>
             <a:xfrm>
-              <a:off x="4222684" y="3562481"/>
+              <a:off x="4221705" y="3563938"/>
               <a:ext cx="66150" cy="66150"/>
             </a:xfrm>
             <a:prstGeom prst="ellipse">
@@ -3811,7 +3811,7 @@
           </p:nvSpPr>
           <p:spPr>
             <a:xfrm>
-              <a:off x="4728250" y="4194268"/>
+              <a:off x="4727386" y="4196153"/>
               <a:ext cx="66150" cy="66150"/>
             </a:xfrm>
             <a:prstGeom prst="ellipse">
@@ -3846,7 +3846,7 @@
           </p:nvSpPr>
           <p:spPr>
             <a:xfrm>
-              <a:off x="4728250" y="4439963"/>
+              <a:off x="4727386" y="4442014"/>
               <a:ext cx="66150" cy="66150"/>
             </a:xfrm>
             <a:prstGeom prst="ellipse">
@@ -3881,7 +3881,7 @@
           </p:nvSpPr>
           <p:spPr>
             <a:xfrm>
-              <a:off x="5826548" y="4685658"/>
+              <a:off x="5825934" y="4687875"/>
               <a:ext cx="66150" cy="66150"/>
             </a:xfrm>
             <a:prstGeom prst="ellipse">
@@ -3916,7 +3916,7 @@
           </p:nvSpPr>
           <p:spPr>
             <a:xfrm>
-              <a:off x="5233816" y="4527711"/>
+              <a:off x="5233067" y="4529822"/>
               <a:ext cx="66150" cy="66150"/>
             </a:xfrm>
             <a:prstGeom prst="ellipse">
@@ -3951,7 +3951,7 @@
           </p:nvSpPr>
           <p:spPr>
             <a:xfrm>
-              <a:off x="5320982" y="4896253"/>
+              <a:off x="5320253" y="4898614"/>
               <a:ext cx="66150" cy="66150"/>
             </a:xfrm>
             <a:prstGeom prst="ellipse">
@@ -3986,7 +3986,7 @@
           </p:nvSpPr>
           <p:spPr>
             <a:xfrm>
-              <a:off x="7883678" y="5738636"/>
+              <a:off x="7883531" y="5741566"/>
               <a:ext cx="66150" cy="66150"/>
             </a:xfrm>
             <a:prstGeom prst="ellipse">
@@ -4021,7 +4021,7 @@
           </p:nvSpPr>
           <p:spPr>
             <a:xfrm>
-              <a:off x="8187017" y="5738636"/>
+              <a:off x="8186940" y="5741566"/>
               <a:ext cx="66150" cy="66150"/>
             </a:xfrm>
             <a:prstGeom prst="ellipse">
@@ -4056,7 +4056,7 @@
           </p:nvSpPr>
           <p:spPr>
             <a:xfrm>
-              <a:off x="8049294" y="4984002"/>
+              <a:off x="8049185" y="4986421"/>
               <a:ext cx="66150" cy="66150"/>
             </a:xfrm>
             <a:prstGeom prst="ellipse">
@@ -4091,7 +4091,7 @@
           </p:nvSpPr>
           <p:spPr>
             <a:xfrm>
-              <a:off x="2566521" y="1877715"/>
+              <a:off x="2565165" y="1878033"/>
               <a:ext cx="66150" cy="66150"/>
             </a:xfrm>
             <a:prstGeom prst="ellipse">
@@ -4126,7 +4126,7 @@
           </p:nvSpPr>
           <p:spPr>
             <a:xfrm>
-              <a:off x="1546672" y="2228708"/>
+              <a:off x="1545085" y="2229263"/>
               <a:ext cx="66150" cy="66150"/>
             </a:xfrm>
             <a:prstGeom prst="ellipse">
@@ -4161,7 +4161,7 @@
           </p:nvSpPr>
           <p:spPr>
             <a:xfrm>
-              <a:off x="1930205" y="1614471"/>
+              <a:off x="1928705" y="1614610"/>
               <a:ext cx="66150" cy="66150"/>
             </a:xfrm>
             <a:prstGeom prst="ellipse">
@@ -4196,7 +4196,7 @@
           </p:nvSpPr>
           <p:spPr>
             <a:xfrm>
-              <a:off x="3028503" y="3790626"/>
+              <a:off x="3027253" y="3792238"/>
               <a:ext cx="66150" cy="66150"/>
             </a:xfrm>
             <a:prstGeom prst="ellipse">
@@ -4231,7 +4231,7 @@
           </p:nvSpPr>
           <p:spPr>
             <a:xfrm>
-              <a:off x="4867717" y="4843605"/>
+              <a:off x="4866884" y="4845929"/>
               <a:ext cx="66150" cy="66150"/>
             </a:xfrm>
             <a:prstGeom prst="ellipse">
@@ -4266,7 +4266,7 @@
           </p:nvSpPr>
           <p:spPr>
             <a:xfrm>
-              <a:off x="4719533" y="4896253"/>
+              <a:off x="4718668" y="4898614"/>
               <a:ext cx="66150" cy="66150"/>
             </a:xfrm>
             <a:prstGeom prst="ellipse">
@@ -4301,7 +4301,7 @@
           </p:nvSpPr>
           <p:spPr>
             <a:xfrm>
-              <a:off x="5425582" y="5229697"/>
+              <a:off x="5424877" y="5232282"/>
               <a:ext cx="66150" cy="66150"/>
             </a:xfrm>
             <a:prstGeom prst="ellipse">
@@ -4336,7 +4336,7 @@
           </p:nvSpPr>
           <p:spPr>
             <a:xfrm>
-              <a:off x="5434299" y="4194268"/>
+              <a:off x="5433595" y="4196153"/>
               <a:ext cx="66150" cy="66150"/>
             </a:xfrm>
             <a:prstGeom prst="ellipse">
@@ -4371,7 +4371,7 @@
           </p:nvSpPr>
           <p:spPr>
             <a:xfrm>
-              <a:off x="2104538" y="2772747"/>
+              <a:off x="2103078" y="2773670"/>
               <a:ext cx="66150" cy="66150"/>
             </a:xfrm>
             <a:prstGeom prst="ellipse">
@@ -4406,7 +4406,7 @@
           </p:nvSpPr>
           <p:spPr>
             <a:xfrm>
-              <a:off x="2461921" y="3000892"/>
+              <a:off x="2460542" y="3001970"/>
               <a:ext cx="66150" cy="66150"/>
             </a:xfrm>
             <a:prstGeom prst="ellipse">
@@ -4441,7 +4441,7 @@
           </p:nvSpPr>
           <p:spPr>
             <a:xfrm>
-              <a:off x="1368853" y="2228708"/>
+              <a:off x="1367225" y="2229263"/>
               <a:ext cx="66150" cy="66150"/>
             </a:xfrm>
             <a:prstGeom prst="ellipse">
@@ -4476,7 +4476,7 @@
           </p:nvSpPr>
           <p:spPr>
             <a:xfrm>
-              <a:off x="4257551" y="4790956"/>
+              <a:off x="4256580" y="4793244"/>
               <a:ext cx="66150" cy="66150"/>
             </a:xfrm>
             <a:prstGeom prst="ellipse">
@@ -4511,7 +4511,7 @@
           </p:nvSpPr>
           <p:spPr>
             <a:xfrm>
-              <a:off x="3560219" y="4106520"/>
+              <a:off x="3559089" y="4108345"/>
               <a:ext cx="66150" cy="66150"/>
             </a:xfrm>
             <a:prstGeom prst="ellipse">
@@ -4546,7 +4546,7 @@
           </p:nvSpPr>
           <p:spPr>
             <a:xfrm>
-              <a:off x="4954883" y="4931353"/>
+              <a:off x="4954071" y="4933737"/>
               <a:ext cx="66150" cy="66150"/>
             </a:xfrm>
             <a:prstGeom prst="ellipse">
@@ -4581,7 +4581,7 @@
           </p:nvSpPr>
           <p:spPr>
             <a:xfrm>
-              <a:off x="3577652" y="3808176"/>
+              <a:off x="3576527" y="3809800"/>
               <a:ext cx="66150" cy="66150"/>
             </a:xfrm>
             <a:prstGeom prst="ellipse">
@@ -4616,8 +4616,8 @@
           </p:nvSpPr>
           <p:spPr>
             <a:xfrm>
-              <a:off x="874078" y="5801719"/>
-              <a:ext cx="124311" cy="80272"/>
+              <a:off x="872373" y="5803196"/>
+              <a:ext cx="124311" cy="81691"/>
             </a:xfrm>
             <a:prstGeom prst="rect">
               <a:avLst/>
@@ -4646,8 +4646,8 @@
                       <a:alpha val="100000"/>
                     </a:srgbClr>
                   </a:solidFill>
-                  <a:latin typeface="Helvetica"/>
-                  <a:cs typeface="Helvetica"/>
+                  <a:latin typeface="Arial"/>
+                  <a:cs typeface="Arial"/>
                 </a:rPr>
                 <a:t>10</a:t>
               </a:r>
@@ -4662,8 +4662,8 @@
           </p:nvSpPr>
           <p:spPr>
             <a:xfrm>
-              <a:off x="874078" y="4924728"/>
-              <a:ext cx="124311" cy="79781"/>
+              <a:off x="872373" y="4925120"/>
+              <a:ext cx="124311" cy="81691"/>
             </a:xfrm>
             <a:prstGeom prst="rect">
               <a:avLst/>
@@ -4692,8 +4692,8 @@
                       <a:alpha val="100000"/>
                     </a:srgbClr>
                   </a:solidFill>
-                  <a:latin typeface="Helvetica"/>
-                  <a:cs typeface="Helvetica"/>
+                  <a:latin typeface="Arial"/>
+                  <a:cs typeface="Arial"/>
                 </a:rPr>
                 <a:t>15</a:t>
               </a:r>
@@ -4708,8 +4708,8 @@
           </p:nvSpPr>
           <p:spPr>
             <a:xfrm>
-              <a:off x="874078" y="4046482"/>
-              <a:ext cx="124311" cy="80545"/>
+              <a:off x="872373" y="4047044"/>
+              <a:ext cx="124311" cy="81691"/>
             </a:xfrm>
             <a:prstGeom prst="rect">
               <a:avLst/>
@@ -4738,8 +4738,8 @@
                       <a:alpha val="100000"/>
                     </a:srgbClr>
                   </a:solidFill>
-                  <a:latin typeface="Helvetica"/>
-                  <a:cs typeface="Helvetica"/>
+                  <a:latin typeface="Arial"/>
+                  <a:cs typeface="Arial"/>
                 </a:rPr>
                 <a:t>20</a:t>
               </a:r>
@@ -4754,8 +4754,8 @@
           </p:nvSpPr>
           <p:spPr>
             <a:xfrm>
-              <a:off x="874078" y="3169164"/>
-              <a:ext cx="124311" cy="80382"/>
+              <a:off x="872373" y="3168968"/>
+              <a:ext cx="124311" cy="81691"/>
             </a:xfrm>
             <a:prstGeom prst="rect">
               <a:avLst/>
@@ -4784,8 +4784,8 @@
                       <a:alpha val="100000"/>
                     </a:srgbClr>
                   </a:solidFill>
-                  <a:latin typeface="Helvetica"/>
-                  <a:cs typeface="Helvetica"/>
+                  <a:latin typeface="Arial"/>
+                  <a:cs typeface="Arial"/>
                 </a:rPr>
                 <a:t>25</a:t>
               </a:r>
@@ -4800,8 +4800,8 @@
           </p:nvSpPr>
           <p:spPr>
             <a:xfrm>
-              <a:off x="874078" y="2291682"/>
-              <a:ext cx="124311" cy="80382"/>
+              <a:off x="872373" y="2290838"/>
+              <a:ext cx="124311" cy="81746"/>
             </a:xfrm>
             <a:prstGeom prst="rect">
               <a:avLst/>
@@ -4830,8 +4830,8 @@
                       <a:alpha val="100000"/>
                     </a:srgbClr>
                   </a:solidFill>
-                  <a:latin typeface="Helvetica"/>
-                  <a:cs typeface="Helvetica"/>
+                  <a:latin typeface="Arial"/>
+                  <a:cs typeface="Arial"/>
                 </a:rPr>
                 <a:t>30</a:t>
               </a:r>
@@ -4846,8 +4846,8 @@
           </p:nvSpPr>
           <p:spPr>
             <a:xfrm>
-              <a:off x="874078" y="1414200"/>
-              <a:ext cx="124311" cy="80382"/>
+              <a:off x="872373" y="1412762"/>
+              <a:ext cx="124311" cy="81746"/>
             </a:xfrm>
             <a:prstGeom prst="rect">
               <a:avLst/>
@@ -4876,8 +4876,8 @@
                       <a:alpha val="100000"/>
                     </a:srgbClr>
                   </a:solidFill>
-                  <a:latin typeface="Helvetica"/>
-                  <a:cs typeface="Helvetica"/>
+                  <a:latin typeface="Arial"/>
+                  <a:cs typeface="Arial"/>
                 </a:rPr>
                 <a:t>35</a:t>
               </a:r>
@@ -4892,7 +4892,7 @@
           </p:nvSpPr>
           <p:spPr>
             <a:xfrm>
-              <a:off x="1026225" y="5841910"/>
+              <a:off x="1024520" y="5844887"/>
               <a:ext cx="34794" cy="0"/>
             </a:xfrm>
             <a:custGeom>
@@ -4932,7 +4932,7 @@
           </p:nvSpPr>
           <p:spPr>
             <a:xfrm>
-              <a:off x="1026225" y="4964428"/>
+              <a:off x="1024520" y="4966812"/>
               <a:ext cx="34794" cy="0"/>
             </a:xfrm>
             <a:custGeom>
@@ -4972,7 +4972,7 @@
           </p:nvSpPr>
           <p:spPr>
             <a:xfrm>
-              <a:off x="1026225" y="4086946"/>
+              <a:off x="1024520" y="4088736"/>
               <a:ext cx="34794" cy="0"/>
             </a:xfrm>
             <a:custGeom>
@@ -5012,7 +5012,7 @@
           </p:nvSpPr>
           <p:spPr>
             <a:xfrm>
-              <a:off x="1026225" y="3209464"/>
+              <a:off x="1024520" y="3210660"/>
               <a:ext cx="34794" cy="0"/>
             </a:xfrm>
             <a:custGeom>
@@ -5052,7 +5052,7 @@
           </p:nvSpPr>
           <p:spPr>
             <a:xfrm>
-              <a:off x="1026225" y="2331982"/>
+              <a:off x="1024520" y="2332584"/>
               <a:ext cx="34794" cy="0"/>
             </a:xfrm>
             <a:custGeom>
@@ -5092,7 +5092,7 @@
           </p:nvSpPr>
           <p:spPr>
             <a:xfrm>
-              <a:off x="1026225" y="1454500"/>
+              <a:off x="1024520" y="1454509"/>
               <a:ext cx="34794" cy="0"/>
             </a:xfrm>
             <a:custGeom>
@@ -5132,7 +5132,7 @@
           </p:nvSpPr>
           <p:spPr>
             <a:xfrm>
-              <a:off x="2250930" y="5977919"/>
+              <a:off x="2249495" y="5980989"/>
               <a:ext cx="0" cy="34794"/>
             </a:xfrm>
             <a:custGeom>
@@ -5172,7 +5172,7 @@
           </p:nvSpPr>
           <p:spPr>
             <a:xfrm>
-              <a:off x="3994260" y="5977919"/>
+              <a:off x="3993221" y="5980989"/>
               <a:ext cx="0" cy="34794"/>
             </a:xfrm>
             <a:custGeom>
@@ -5212,7 +5212,7 @@
           </p:nvSpPr>
           <p:spPr>
             <a:xfrm>
-              <a:off x="5737590" y="5977919"/>
+              <a:off x="5736948" y="5980989"/>
               <a:ext cx="0" cy="34794"/>
             </a:xfrm>
             <a:custGeom>
@@ -5252,7 +5252,7 @@
           </p:nvSpPr>
           <p:spPr>
             <a:xfrm>
-              <a:off x="7480920" y="5977919"/>
+              <a:off x="7480675" y="5980989"/>
               <a:ext cx="0" cy="34794"/>
             </a:xfrm>
             <a:custGeom>
@@ -5292,8 +5292,8 @@
           </p:nvSpPr>
           <p:spPr>
             <a:xfrm>
-              <a:off x="2219852" y="6042296"/>
-              <a:ext cx="62155" cy="78417"/>
+              <a:off x="2218417" y="6043292"/>
+              <a:ext cx="62155" cy="80327"/>
             </a:xfrm>
             <a:prstGeom prst="rect">
               <a:avLst/>
@@ -5322,8 +5322,8 @@
                       <a:alpha val="100000"/>
                     </a:srgbClr>
                   </a:solidFill>
-                  <a:latin typeface="Helvetica"/>
-                  <a:cs typeface="Helvetica"/>
+                  <a:latin typeface="Arial"/>
+                  <a:cs typeface="Arial"/>
                 </a:rPr>
                 <a:t>2</a:t>
               </a:r>
@@ -5338,8 +5338,8 @@
           </p:nvSpPr>
           <p:spPr>
             <a:xfrm>
-              <a:off x="3963182" y="6040331"/>
-              <a:ext cx="62155" cy="80382"/>
+              <a:off x="3962144" y="6041873"/>
+              <a:ext cx="62155" cy="81746"/>
             </a:xfrm>
             <a:prstGeom prst="rect">
               <a:avLst/>
@@ -5368,8 +5368,8 @@
                       <a:alpha val="100000"/>
                     </a:srgbClr>
                   </a:solidFill>
-                  <a:latin typeface="Helvetica"/>
-                  <a:cs typeface="Helvetica"/>
+                  <a:latin typeface="Arial"/>
+                  <a:cs typeface="Arial"/>
                 </a:rPr>
                 <a:t>3</a:t>
               </a:r>
@@ -5384,8 +5384,8 @@
           </p:nvSpPr>
           <p:spPr>
             <a:xfrm>
-              <a:off x="5706512" y="6042350"/>
-              <a:ext cx="62155" cy="78362"/>
+              <a:off x="5705870" y="6043619"/>
+              <a:ext cx="62155" cy="80000"/>
             </a:xfrm>
             <a:prstGeom prst="rect">
               <a:avLst/>
@@ -5414,8 +5414,8 @@
                       <a:alpha val="100000"/>
                     </a:srgbClr>
                   </a:solidFill>
-                  <a:latin typeface="Helvetica"/>
-                  <a:cs typeface="Helvetica"/>
+                  <a:latin typeface="Arial"/>
+                  <a:cs typeface="Arial"/>
                 </a:rPr>
                 <a:t>4</a:t>
               </a:r>
@@ -5430,8 +5430,8 @@
           </p:nvSpPr>
           <p:spPr>
             <a:xfrm>
-              <a:off x="7449842" y="6041914"/>
-              <a:ext cx="62155" cy="78799"/>
+              <a:off x="7449597" y="6043346"/>
+              <a:ext cx="62155" cy="80272"/>
             </a:xfrm>
             <a:prstGeom prst="rect">
               <a:avLst/>
@@ -5460,8 +5460,8 @@
                       <a:alpha val="100000"/>
                     </a:srgbClr>
                   </a:solidFill>
-                  <a:latin typeface="Helvetica"/>
-                  <a:cs typeface="Helvetica"/>
+                  <a:latin typeface="Arial"/>
+                  <a:cs typeface="Arial"/>
                 </a:rPr>
                 <a:t>5</a:t>
               </a:r>
@@ -5476,8 +5476,8 @@
           </p:nvSpPr>
           <p:spPr>
             <a:xfrm>
-              <a:off x="4741160" y="6185822"/>
-              <a:ext cx="139700" cy="94611"/>
+              <a:off x="4740307" y="6183230"/>
+              <a:ext cx="139700" cy="98704"/>
             </a:xfrm>
             <a:prstGeom prst="rect">
               <a:avLst/>
@@ -5506,8 +5506,8 @@
                       <a:alpha val="100000"/>
                     </a:srgbClr>
                   </a:solidFill>
-                  <a:latin typeface="Helvetica"/>
-                  <a:cs typeface="Helvetica"/>
+                  <a:latin typeface="Arial"/>
+                  <a:cs typeface="Arial"/>
                 </a:rPr>
                 <a:t>wt</a:t>
               </a:r>
@@ -5522,8 +5522,8 @@
           </p:nvSpPr>
           <p:spPr>
             <a:xfrm rot="-5400000">
-              <a:off x="619638" y="3656764"/>
-              <a:ext cx="271760" cy="105729"/>
+              <a:off x="620559" y="3659424"/>
+              <a:ext cx="271760" cy="103478"/>
             </a:xfrm>
             <a:prstGeom prst="rect">
               <a:avLst/>
@@ -5552,8 +5552,8 @@
                       <a:alpha val="100000"/>
                     </a:srgbClr>
                   </a:solidFill>
-                  <a:latin typeface="Helvetica"/>
-                  <a:cs typeface="Helvetica"/>
+                  <a:latin typeface="Arial"/>
+                  <a:cs typeface="Arial"/>
                 </a:rPr>
                 <a:t>mpg</a:t>
               </a:r>

--- a/tests/testthat/temp_fullslide_43.pptx
+++ b/tests/testthat/temp_fullslide_43.pptx
@@ -495,7 +495,7 @@
             <a:r>
               <a:rPr/>
               <a:t>
-Powerpoint file location: C:\Users\parkinsonn\Documents\grattantheme\tests\testthat\temp_fullslide_43.pptx</a:t>
+Powerpoint file location: /Users/mbbowes/Documents/GitHub/grattantheme/tests/testthat/temp_fullslide_43.pptx</a:t>
             </a:r>
           </a:p>
         </p:txBody>
@@ -2610,8 +2610,8 @@
           </p:nvSpPr>
           <p:spPr>
             <a:xfrm>
-              <a:off x="1059314" y="1441338"/>
-              <a:ext cx="7501686" cy="4539651"/>
+              <a:off x="1061020" y="1441338"/>
+              <a:ext cx="7499980" cy="4536581"/>
             </a:xfrm>
             <a:prstGeom prst="rect">
               <a:avLst/>
@@ -2636,21 +2636,21 @@
           </p:nvSpPr>
           <p:spPr>
             <a:xfrm>
-              <a:off x="1059314" y="5405849"/>
-              <a:ext cx="7501686" cy="0"/>
+              <a:off x="1061020" y="5403169"/>
+              <a:ext cx="7499980" cy="0"/>
             </a:xfrm>
             <a:custGeom>
               <a:avLst/>
               <a:pathLst>
-                <a:path w="7501686" h="0">
+                <a:path w="7499980" h="0">
                   <a:moveTo>
                     <a:pt x="0" y="0"/>
                   </a:moveTo>
                   <a:lnTo>
-                    <a:pt x="7501686" y="0"/>
+                    <a:pt x="7499980" y="0"/>
                   </a:lnTo>
                   <a:lnTo>
-                    <a:pt x="7501686" y="0"/>
+                    <a:pt x="7499980" y="0"/>
                   </a:lnTo>
                 </a:path>
               </a:pathLst>
@@ -2679,21 +2679,21 @@
           </p:nvSpPr>
           <p:spPr>
             <a:xfrm>
-              <a:off x="1059314" y="4527774"/>
-              <a:ext cx="7501686" cy="0"/>
+              <a:off x="1061020" y="4525687"/>
+              <a:ext cx="7499980" cy="0"/>
             </a:xfrm>
             <a:custGeom>
               <a:avLst/>
               <a:pathLst>
-                <a:path w="7501686" h="0">
+                <a:path w="7499980" h="0">
                   <a:moveTo>
                     <a:pt x="0" y="0"/>
                   </a:moveTo>
                   <a:lnTo>
-                    <a:pt x="7501686" y="0"/>
+                    <a:pt x="7499980" y="0"/>
                   </a:lnTo>
                   <a:lnTo>
-                    <a:pt x="7501686" y="0"/>
+                    <a:pt x="7499980" y="0"/>
                   </a:lnTo>
                 </a:path>
               </a:pathLst>
@@ -2722,21 +2722,21 @@
           </p:nvSpPr>
           <p:spPr>
             <a:xfrm>
-              <a:off x="1059314" y="3649698"/>
-              <a:ext cx="7501686" cy="0"/>
+              <a:off x="1061020" y="3648205"/>
+              <a:ext cx="7499980" cy="0"/>
             </a:xfrm>
             <a:custGeom>
               <a:avLst/>
               <a:pathLst>
-                <a:path w="7501686" h="0">
+                <a:path w="7499980" h="0">
                   <a:moveTo>
                     <a:pt x="0" y="0"/>
                   </a:moveTo>
                   <a:lnTo>
-                    <a:pt x="7501686" y="0"/>
+                    <a:pt x="7499980" y="0"/>
                   </a:lnTo>
                   <a:lnTo>
-                    <a:pt x="7501686" y="0"/>
+                    <a:pt x="7499980" y="0"/>
                   </a:lnTo>
                 </a:path>
               </a:pathLst>
@@ -2765,21 +2765,21 @@
           </p:nvSpPr>
           <p:spPr>
             <a:xfrm>
-              <a:off x="1059314" y="2771622"/>
-              <a:ext cx="7501686" cy="0"/>
+              <a:off x="1061020" y="2770723"/>
+              <a:ext cx="7499980" cy="0"/>
             </a:xfrm>
             <a:custGeom>
               <a:avLst/>
               <a:pathLst>
-                <a:path w="7501686" h="0">
+                <a:path w="7499980" h="0">
                   <a:moveTo>
                     <a:pt x="0" y="0"/>
                   </a:moveTo>
                   <a:lnTo>
-                    <a:pt x="7501686" y="0"/>
+                    <a:pt x="7499980" y="0"/>
                   </a:lnTo>
                   <a:lnTo>
-                    <a:pt x="7501686" y="0"/>
+                    <a:pt x="7499980" y="0"/>
                   </a:lnTo>
                 </a:path>
               </a:pathLst>
@@ -2808,21 +2808,21 @@
           </p:nvSpPr>
           <p:spPr>
             <a:xfrm>
-              <a:off x="1059314" y="1893547"/>
-              <a:ext cx="7501686" cy="0"/>
+              <a:off x="1061020" y="1893241"/>
+              <a:ext cx="7499980" cy="0"/>
             </a:xfrm>
             <a:custGeom>
               <a:avLst/>
               <a:pathLst>
-                <a:path w="7501686" h="0">
+                <a:path w="7499980" h="0">
                   <a:moveTo>
                     <a:pt x="0" y="0"/>
                   </a:moveTo>
                   <a:lnTo>
-                    <a:pt x="7501686" y="0"/>
+                    <a:pt x="7499980" y="0"/>
                   </a:lnTo>
                   <a:lnTo>
-                    <a:pt x="7501686" y="0"/>
+                    <a:pt x="7499980" y="0"/>
                   </a:lnTo>
                 </a:path>
               </a:pathLst>
@@ -2851,15 +2851,15 @@
           </p:nvSpPr>
           <p:spPr>
             <a:xfrm>
-              <a:off x="1377632" y="1441338"/>
-              <a:ext cx="0" cy="4539651"/>
+              <a:off x="1379264" y="1441338"/>
+              <a:ext cx="0" cy="4536581"/>
             </a:xfrm>
             <a:custGeom>
               <a:avLst/>
               <a:pathLst>
-                <a:path w="0" h="4539651">
+                <a:path w="0" h="4536581">
                   <a:moveTo>
-                    <a:pt x="0" y="4539651"/>
+                    <a:pt x="0" y="4536581"/>
                   </a:moveTo>
                   <a:lnTo>
                     <a:pt x="0" y="0"/>
@@ -2894,15 +2894,15 @@
           </p:nvSpPr>
           <p:spPr>
             <a:xfrm>
-              <a:off x="3121358" y="1441338"/>
-              <a:ext cx="0" cy="4539651"/>
+              <a:off x="3122595" y="1441338"/>
+              <a:ext cx="0" cy="4536581"/>
             </a:xfrm>
             <a:custGeom>
               <a:avLst/>
               <a:pathLst>
-                <a:path w="0" h="4539651">
+                <a:path w="0" h="4536581">
                   <a:moveTo>
-                    <a:pt x="0" y="4539651"/>
+                    <a:pt x="0" y="4536581"/>
                   </a:moveTo>
                   <a:lnTo>
                     <a:pt x="0" y="0"/>
@@ -2937,15 +2937,15 @@
           </p:nvSpPr>
           <p:spPr>
             <a:xfrm>
-              <a:off x="4865085" y="1441338"/>
-              <a:ext cx="0" cy="4539651"/>
+              <a:off x="4865925" y="1441338"/>
+              <a:ext cx="0" cy="4536581"/>
             </a:xfrm>
             <a:custGeom>
               <a:avLst/>
               <a:pathLst>
-                <a:path w="0" h="4539651">
+                <a:path w="0" h="4536581">
                   <a:moveTo>
-                    <a:pt x="0" y="4539651"/>
+                    <a:pt x="0" y="4536581"/>
                   </a:moveTo>
                   <a:lnTo>
                     <a:pt x="0" y="0"/>
@@ -2980,15 +2980,15 @@
           </p:nvSpPr>
           <p:spPr>
             <a:xfrm>
-              <a:off x="6608811" y="1441338"/>
-              <a:ext cx="0" cy="4539651"/>
+              <a:off x="6609255" y="1441338"/>
+              <a:ext cx="0" cy="4536581"/>
             </a:xfrm>
             <a:custGeom>
               <a:avLst/>
               <a:pathLst>
-                <a:path w="0" h="4539651">
+                <a:path w="0" h="4536581">
                   <a:moveTo>
-                    <a:pt x="0" y="4539651"/>
+                    <a:pt x="0" y="4536581"/>
                   </a:moveTo>
                   <a:lnTo>
                     <a:pt x="0" y="0"/>
@@ -3023,15 +3023,15 @@
           </p:nvSpPr>
           <p:spPr>
             <a:xfrm>
-              <a:off x="8352538" y="1441338"/>
-              <a:ext cx="0" cy="4539651"/>
+              <a:off x="8352585" y="1441338"/>
+              <a:ext cx="0" cy="4536581"/>
             </a:xfrm>
             <a:custGeom>
               <a:avLst/>
               <a:pathLst>
-                <a:path w="0" h="4539651">
+                <a:path w="0" h="4536581">
                   <a:moveTo>
-                    <a:pt x="0" y="4539651"/>
+                    <a:pt x="0" y="4536581"/>
                   </a:moveTo>
                   <a:lnTo>
                     <a:pt x="0" y="0"/>
@@ -3066,21 +3066,21 @@
           </p:nvSpPr>
           <p:spPr>
             <a:xfrm>
-              <a:off x="1059314" y="5844887"/>
-              <a:ext cx="7501686" cy="0"/>
+              <a:off x="1061020" y="5841910"/>
+              <a:ext cx="7499980" cy="0"/>
             </a:xfrm>
             <a:custGeom>
               <a:avLst/>
               <a:pathLst>
-                <a:path w="7501686" h="0">
+                <a:path w="7499980" h="0">
                   <a:moveTo>
                     <a:pt x="0" y="0"/>
                   </a:moveTo>
                   <a:lnTo>
-                    <a:pt x="7501686" y="0"/>
+                    <a:pt x="7499980" y="0"/>
                   </a:lnTo>
                   <a:lnTo>
-                    <a:pt x="7501686" y="0"/>
+                    <a:pt x="7499980" y="0"/>
                   </a:lnTo>
                 </a:path>
               </a:pathLst>
@@ -3109,21 +3109,21 @@
           </p:nvSpPr>
           <p:spPr>
             <a:xfrm>
-              <a:off x="1059314" y="4966812"/>
-              <a:ext cx="7501686" cy="0"/>
+              <a:off x="1061020" y="4964428"/>
+              <a:ext cx="7499980" cy="0"/>
             </a:xfrm>
             <a:custGeom>
               <a:avLst/>
               <a:pathLst>
-                <a:path w="7501686" h="0">
+                <a:path w="7499980" h="0">
                   <a:moveTo>
                     <a:pt x="0" y="0"/>
                   </a:moveTo>
                   <a:lnTo>
-                    <a:pt x="7501686" y="0"/>
+                    <a:pt x="7499980" y="0"/>
                   </a:lnTo>
                   <a:lnTo>
-                    <a:pt x="7501686" y="0"/>
+                    <a:pt x="7499980" y="0"/>
                   </a:lnTo>
                 </a:path>
               </a:pathLst>
@@ -3152,21 +3152,21 @@
           </p:nvSpPr>
           <p:spPr>
             <a:xfrm>
-              <a:off x="1059314" y="4088736"/>
-              <a:ext cx="7501686" cy="0"/>
+              <a:off x="1061020" y="4086946"/>
+              <a:ext cx="7499980" cy="0"/>
             </a:xfrm>
             <a:custGeom>
               <a:avLst/>
               <a:pathLst>
-                <a:path w="7501686" h="0">
+                <a:path w="7499980" h="0">
                   <a:moveTo>
                     <a:pt x="0" y="0"/>
                   </a:moveTo>
                   <a:lnTo>
-                    <a:pt x="7501686" y="0"/>
+                    <a:pt x="7499980" y="0"/>
                   </a:lnTo>
                   <a:lnTo>
-                    <a:pt x="7501686" y="0"/>
+                    <a:pt x="7499980" y="0"/>
                   </a:lnTo>
                 </a:path>
               </a:pathLst>
@@ -3195,21 +3195,21 @@
           </p:nvSpPr>
           <p:spPr>
             <a:xfrm>
-              <a:off x="1059314" y="3210660"/>
-              <a:ext cx="7501686" cy="0"/>
+              <a:off x="1061020" y="3209464"/>
+              <a:ext cx="7499980" cy="0"/>
             </a:xfrm>
             <a:custGeom>
               <a:avLst/>
               <a:pathLst>
-                <a:path w="7501686" h="0">
+                <a:path w="7499980" h="0">
                   <a:moveTo>
                     <a:pt x="0" y="0"/>
                   </a:moveTo>
                   <a:lnTo>
-                    <a:pt x="7501686" y="0"/>
+                    <a:pt x="7499980" y="0"/>
                   </a:lnTo>
                   <a:lnTo>
-                    <a:pt x="7501686" y="0"/>
+                    <a:pt x="7499980" y="0"/>
                   </a:lnTo>
                 </a:path>
               </a:pathLst>
@@ -3238,21 +3238,21 @@
           </p:nvSpPr>
           <p:spPr>
             <a:xfrm>
-              <a:off x="1059314" y="2332584"/>
-              <a:ext cx="7501686" cy="0"/>
+              <a:off x="1061020" y="2331982"/>
+              <a:ext cx="7499980" cy="0"/>
             </a:xfrm>
             <a:custGeom>
               <a:avLst/>
               <a:pathLst>
-                <a:path w="7501686" h="0">
+                <a:path w="7499980" h="0">
                   <a:moveTo>
                     <a:pt x="0" y="0"/>
                   </a:moveTo>
                   <a:lnTo>
-                    <a:pt x="7501686" y="0"/>
+                    <a:pt x="7499980" y="0"/>
                   </a:lnTo>
                   <a:lnTo>
-                    <a:pt x="7501686" y="0"/>
+                    <a:pt x="7499980" y="0"/>
                   </a:lnTo>
                 </a:path>
               </a:pathLst>
@@ -3281,21 +3281,21 @@
           </p:nvSpPr>
           <p:spPr>
             <a:xfrm>
-              <a:off x="1059314" y="1454509"/>
-              <a:ext cx="7501686" cy="0"/>
+              <a:off x="1061020" y="1454500"/>
+              <a:ext cx="7499980" cy="0"/>
             </a:xfrm>
             <a:custGeom>
               <a:avLst/>
               <a:pathLst>
-                <a:path w="7501686" h="0">
+                <a:path w="7499980" h="0">
                   <a:moveTo>
                     <a:pt x="0" y="0"/>
                   </a:moveTo>
                   <a:lnTo>
-                    <a:pt x="7501686" y="0"/>
+                    <a:pt x="7499980" y="0"/>
                   </a:lnTo>
                   <a:lnTo>
-                    <a:pt x="7501686" y="0"/>
+                    <a:pt x="7499980" y="0"/>
                   </a:lnTo>
                 </a:path>
               </a:pathLst>
@@ -3324,15 +3324,15 @@
           </p:nvSpPr>
           <p:spPr>
             <a:xfrm>
-              <a:off x="2249495" y="1441338"/>
-              <a:ext cx="0" cy="4539651"/>
+              <a:off x="2250930" y="1441338"/>
+              <a:ext cx="0" cy="4536581"/>
             </a:xfrm>
             <a:custGeom>
               <a:avLst/>
               <a:pathLst>
-                <a:path w="0" h="4539651">
+                <a:path w="0" h="4536581">
                   <a:moveTo>
-                    <a:pt x="0" y="4539651"/>
+                    <a:pt x="0" y="4536581"/>
                   </a:moveTo>
                   <a:lnTo>
                     <a:pt x="0" y="0"/>
@@ -3367,15 +3367,15 @@
           </p:nvSpPr>
           <p:spPr>
             <a:xfrm>
-              <a:off x="3993221" y="1441338"/>
-              <a:ext cx="0" cy="4539651"/>
+              <a:off x="3994260" y="1441338"/>
+              <a:ext cx="0" cy="4536581"/>
             </a:xfrm>
             <a:custGeom>
               <a:avLst/>
               <a:pathLst>
-                <a:path w="0" h="4539651">
+                <a:path w="0" h="4536581">
                   <a:moveTo>
-                    <a:pt x="0" y="4539651"/>
+                    <a:pt x="0" y="4536581"/>
                   </a:moveTo>
                   <a:lnTo>
                     <a:pt x="0" y="0"/>
@@ -3410,15 +3410,15 @@
           </p:nvSpPr>
           <p:spPr>
             <a:xfrm>
-              <a:off x="5736948" y="1441338"/>
-              <a:ext cx="0" cy="4539651"/>
+              <a:off x="5737590" y="1441338"/>
+              <a:ext cx="0" cy="4536581"/>
             </a:xfrm>
             <a:custGeom>
               <a:avLst/>
               <a:pathLst>
-                <a:path w="0" h="4539651">
+                <a:path w="0" h="4536581">
                   <a:moveTo>
-                    <a:pt x="0" y="4539651"/>
+                    <a:pt x="0" y="4536581"/>
                   </a:moveTo>
                   <a:lnTo>
                     <a:pt x="0" y="0"/>
@@ -3453,15 +3453,15 @@
           </p:nvSpPr>
           <p:spPr>
             <a:xfrm>
-              <a:off x="7480675" y="1441338"/>
-              <a:ext cx="0" cy="4539651"/>
+              <a:off x="7480920" y="1441338"/>
+              <a:ext cx="0" cy="4536581"/>
             </a:xfrm>
             <a:custGeom>
               <a:avLst/>
               <a:pathLst>
-                <a:path w="0" h="4539651">
+                <a:path w="0" h="4536581">
                   <a:moveTo>
-                    <a:pt x="0" y="4539651"/>
+                    <a:pt x="0" y="4536581"/>
                   </a:moveTo>
                   <a:lnTo>
                     <a:pt x="0" y="0"/>
@@ -3496,7 +3496,7 @@
           </p:nvSpPr>
           <p:spPr>
             <a:xfrm>
-              <a:off x="3297530" y="3880046"/>
+              <a:off x="3298719" y="3878374"/>
               <a:ext cx="66150" cy="66150"/>
             </a:xfrm>
             <a:prstGeom prst="ellipse">
@@ -3531,7 +3531,7 @@
           </p:nvSpPr>
           <p:spPr>
             <a:xfrm>
-              <a:off x="3742181" y="3880046"/>
+              <a:off x="3743269" y="3878374"/>
               <a:ext cx="66150" cy="66150"/>
             </a:xfrm>
             <a:prstGeom prst="ellipse">
@@ -3566,7 +3566,7 @@
           </p:nvSpPr>
           <p:spPr>
             <a:xfrm>
-              <a:off x="2774412" y="3563938"/>
+              <a:off x="2775720" y="3562481"/>
               <a:ext cx="66150" cy="66150"/>
             </a:xfrm>
             <a:prstGeom prst="ellipse">
@@ -3601,7 +3601,7 @@
           </p:nvSpPr>
           <p:spPr>
             <a:xfrm>
-              <a:off x="4335048" y="3809800"/>
+              <a:off x="4336001" y="3808176"/>
               <a:ext cx="66150" cy="66150"/>
             </a:xfrm>
             <a:prstGeom prst="ellipse">
@@ -3636,7 +3636,7 @@
           </p:nvSpPr>
           <p:spPr>
             <a:xfrm>
-              <a:off x="4727386" y="4283961"/>
+              <a:off x="4728250" y="4282016"/>
               <a:ext cx="66150" cy="66150"/>
             </a:xfrm>
             <a:prstGeom prst="ellipse">
@@ -3671,7 +3671,7 @@
           </p:nvSpPr>
           <p:spPr>
             <a:xfrm>
-              <a:off x="4762261" y="4389330"/>
+              <a:off x="4763117" y="4387314"/>
               <a:ext cx="66150" cy="66150"/>
             </a:xfrm>
             <a:prstGeom prst="ellipse">
@@ -3706,7 +3706,7 @@
           </p:nvSpPr>
           <p:spPr>
             <a:xfrm>
-              <a:off x="4954071" y="5056667"/>
+              <a:off x="4954883" y="5054200"/>
               <a:ext cx="66150" cy="66150"/>
             </a:xfrm>
             <a:prstGeom prst="ellipse">
@@ -3741,7 +3741,7 @@
           </p:nvSpPr>
           <p:spPr>
             <a:xfrm>
-              <a:off x="4291454" y="3282954"/>
+              <a:off x="4292418" y="3281687"/>
               <a:ext cx="66150" cy="66150"/>
             </a:xfrm>
             <a:prstGeom prst="ellipse">
@@ -3776,7 +3776,7 @@
           </p:nvSpPr>
           <p:spPr>
             <a:xfrm>
-              <a:off x="4221705" y="3563938"/>
+              <a:off x="4222684" y="3562481"/>
               <a:ext cx="66150" cy="66150"/>
             </a:xfrm>
             <a:prstGeom prst="ellipse">
@@ -3811,7 +3811,7 @@
           </p:nvSpPr>
           <p:spPr>
             <a:xfrm>
-              <a:off x="4727386" y="4196153"/>
+              <a:off x="4728250" y="4194268"/>
               <a:ext cx="66150" cy="66150"/>
             </a:xfrm>
             <a:prstGeom prst="ellipse">
@@ -3846,7 +3846,7 @@
           </p:nvSpPr>
           <p:spPr>
             <a:xfrm>
-              <a:off x="4727386" y="4442014"/>
+              <a:off x="4728250" y="4439963"/>
               <a:ext cx="66150" cy="66150"/>
             </a:xfrm>
             <a:prstGeom prst="ellipse">
@@ -3881,7 +3881,7 @@
           </p:nvSpPr>
           <p:spPr>
             <a:xfrm>
-              <a:off x="5825934" y="4687875"/>
+              <a:off x="5826548" y="4685658"/>
               <a:ext cx="66150" cy="66150"/>
             </a:xfrm>
             <a:prstGeom prst="ellipse">
@@ -3916,7 +3916,7 @@
           </p:nvSpPr>
           <p:spPr>
             <a:xfrm>
-              <a:off x="5233067" y="4529822"/>
+              <a:off x="5233816" y="4527711"/>
               <a:ext cx="66150" cy="66150"/>
             </a:xfrm>
             <a:prstGeom prst="ellipse">
@@ -3951,7 +3951,7 @@
           </p:nvSpPr>
           <p:spPr>
             <a:xfrm>
-              <a:off x="5320253" y="4898614"/>
+              <a:off x="5320982" y="4896253"/>
               <a:ext cx="66150" cy="66150"/>
             </a:xfrm>
             <a:prstGeom prst="ellipse">
@@ -3986,7 +3986,7 @@
           </p:nvSpPr>
           <p:spPr>
             <a:xfrm>
-              <a:off x="7883531" y="5741566"/>
+              <a:off x="7883678" y="5738636"/>
               <a:ext cx="66150" cy="66150"/>
             </a:xfrm>
             <a:prstGeom prst="ellipse">
@@ -4021,7 +4021,7 @@
           </p:nvSpPr>
           <p:spPr>
             <a:xfrm>
-              <a:off x="8186940" y="5741566"/>
+              <a:off x="8187017" y="5738636"/>
               <a:ext cx="66150" cy="66150"/>
             </a:xfrm>
             <a:prstGeom prst="ellipse">
@@ -4056,7 +4056,7 @@
           </p:nvSpPr>
           <p:spPr>
             <a:xfrm>
-              <a:off x="8049185" y="4986421"/>
+              <a:off x="8049294" y="4984002"/>
               <a:ext cx="66150" cy="66150"/>
             </a:xfrm>
             <a:prstGeom prst="ellipse">
@@ -4091,7 +4091,7 @@
           </p:nvSpPr>
           <p:spPr>
             <a:xfrm>
-              <a:off x="2565165" y="1878033"/>
+              <a:off x="2566521" y="1877715"/>
               <a:ext cx="66150" cy="66150"/>
             </a:xfrm>
             <a:prstGeom prst="ellipse">
@@ -4126,7 +4126,7 @@
           </p:nvSpPr>
           <p:spPr>
             <a:xfrm>
-              <a:off x="1545085" y="2229263"/>
+              <a:off x="1546672" y="2228708"/>
               <a:ext cx="66150" cy="66150"/>
             </a:xfrm>
             <a:prstGeom prst="ellipse">
@@ -4161,7 +4161,7 @@
           </p:nvSpPr>
           <p:spPr>
             <a:xfrm>
-              <a:off x="1928705" y="1614610"/>
+              <a:off x="1930205" y="1614471"/>
               <a:ext cx="66150" cy="66150"/>
             </a:xfrm>
             <a:prstGeom prst="ellipse">
@@ -4196,7 +4196,7 @@
           </p:nvSpPr>
           <p:spPr>
             <a:xfrm>
-              <a:off x="3027253" y="3792238"/>
+              <a:off x="3028503" y="3790626"/>
               <a:ext cx="66150" cy="66150"/>
             </a:xfrm>
             <a:prstGeom prst="ellipse">
@@ -4231,7 +4231,7 @@
           </p:nvSpPr>
           <p:spPr>
             <a:xfrm>
-              <a:off x="4866884" y="4845929"/>
+              <a:off x="4867717" y="4843605"/>
               <a:ext cx="66150" cy="66150"/>
             </a:xfrm>
             <a:prstGeom prst="ellipse">
@@ -4266,7 +4266,7 @@
           </p:nvSpPr>
           <p:spPr>
             <a:xfrm>
-              <a:off x="4718668" y="4898614"/>
+              <a:off x="4719533" y="4896253"/>
               <a:ext cx="66150" cy="66150"/>
             </a:xfrm>
             <a:prstGeom prst="ellipse">
@@ -4301,7 +4301,7 @@
           </p:nvSpPr>
           <p:spPr>
             <a:xfrm>
-              <a:off x="5424877" y="5232282"/>
+              <a:off x="5425582" y="5229697"/>
               <a:ext cx="66150" cy="66150"/>
             </a:xfrm>
             <a:prstGeom prst="ellipse">
@@ -4336,7 +4336,7 @@
           </p:nvSpPr>
           <p:spPr>
             <a:xfrm>
-              <a:off x="5433595" y="4196153"/>
+              <a:off x="5434299" y="4194268"/>
               <a:ext cx="66150" cy="66150"/>
             </a:xfrm>
             <a:prstGeom prst="ellipse">
@@ -4371,7 +4371,7 @@
           </p:nvSpPr>
           <p:spPr>
             <a:xfrm>
-              <a:off x="2103078" y="2773670"/>
+              <a:off x="2104538" y="2772747"/>
               <a:ext cx="66150" cy="66150"/>
             </a:xfrm>
             <a:prstGeom prst="ellipse">
@@ -4406,7 +4406,7 @@
           </p:nvSpPr>
           <p:spPr>
             <a:xfrm>
-              <a:off x="2460542" y="3001970"/>
+              <a:off x="2461921" y="3000892"/>
               <a:ext cx="66150" cy="66150"/>
             </a:xfrm>
             <a:prstGeom prst="ellipse">
@@ -4441,7 +4441,7 @@
           </p:nvSpPr>
           <p:spPr>
             <a:xfrm>
-              <a:off x="1367225" y="2229263"/>
+              <a:off x="1368853" y="2228708"/>
               <a:ext cx="66150" cy="66150"/>
             </a:xfrm>
             <a:prstGeom prst="ellipse">
@@ -4476,7 +4476,7 @@
           </p:nvSpPr>
           <p:spPr>
             <a:xfrm>
-              <a:off x="4256580" y="4793244"/>
+              <a:off x="4257551" y="4790956"/>
               <a:ext cx="66150" cy="66150"/>
             </a:xfrm>
             <a:prstGeom prst="ellipse">
@@ -4511,7 +4511,7 @@
           </p:nvSpPr>
           <p:spPr>
             <a:xfrm>
-              <a:off x="3559089" y="4108345"/>
+              <a:off x="3560219" y="4106520"/>
               <a:ext cx="66150" cy="66150"/>
             </a:xfrm>
             <a:prstGeom prst="ellipse">
@@ -4546,7 +4546,7 @@
           </p:nvSpPr>
           <p:spPr>
             <a:xfrm>
-              <a:off x="4954071" y="4933737"/>
+              <a:off x="4954883" y="4931353"/>
               <a:ext cx="66150" cy="66150"/>
             </a:xfrm>
             <a:prstGeom prst="ellipse">
@@ -4581,7 +4581,7 @@
           </p:nvSpPr>
           <p:spPr>
             <a:xfrm>
-              <a:off x="3576527" y="3809800"/>
+              <a:off x="3577652" y="3808176"/>
               <a:ext cx="66150" cy="66150"/>
             </a:xfrm>
             <a:prstGeom prst="ellipse">
@@ -4616,8 +4616,8 @@
           </p:nvSpPr>
           <p:spPr>
             <a:xfrm>
-              <a:off x="872373" y="5803196"/>
-              <a:ext cx="124311" cy="81691"/>
+              <a:off x="874078" y="5801719"/>
+              <a:ext cx="124311" cy="80272"/>
             </a:xfrm>
             <a:prstGeom prst="rect">
               <a:avLst/>
@@ -4646,8 +4646,8 @@
                       <a:alpha val="100000"/>
                     </a:srgbClr>
                   </a:solidFill>
-                  <a:latin typeface="Arial"/>
-                  <a:cs typeface="Arial"/>
+                  <a:latin typeface="Helvetica"/>
+                  <a:cs typeface="Helvetica"/>
                 </a:rPr>
                 <a:t>10</a:t>
               </a:r>
@@ -4662,8 +4662,8 @@
           </p:nvSpPr>
           <p:spPr>
             <a:xfrm>
-              <a:off x="872373" y="4925120"/>
-              <a:ext cx="124311" cy="81691"/>
+              <a:off x="874078" y="4924728"/>
+              <a:ext cx="124311" cy="79781"/>
             </a:xfrm>
             <a:prstGeom prst="rect">
               <a:avLst/>
@@ -4692,8 +4692,8 @@
                       <a:alpha val="100000"/>
                     </a:srgbClr>
                   </a:solidFill>
-                  <a:latin typeface="Arial"/>
-                  <a:cs typeface="Arial"/>
+                  <a:latin typeface="Helvetica"/>
+                  <a:cs typeface="Helvetica"/>
                 </a:rPr>
                 <a:t>15</a:t>
               </a:r>
@@ -4708,8 +4708,8 @@
           </p:nvSpPr>
           <p:spPr>
             <a:xfrm>
-              <a:off x="872373" y="4047044"/>
-              <a:ext cx="124311" cy="81691"/>
+              <a:off x="874078" y="4046482"/>
+              <a:ext cx="124311" cy="80545"/>
             </a:xfrm>
             <a:prstGeom prst="rect">
               <a:avLst/>
@@ -4738,8 +4738,8 @@
                       <a:alpha val="100000"/>
                     </a:srgbClr>
                   </a:solidFill>
-                  <a:latin typeface="Arial"/>
-                  <a:cs typeface="Arial"/>
+                  <a:latin typeface="Helvetica"/>
+                  <a:cs typeface="Helvetica"/>
                 </a:rPr>
                 <a:t>20</a:t>
               </a:r>
@@ -4754,8 +4754,8 @@
           </p:nvSpPr>
           <p:spPr>
             <a:xfrm>
-              <a:off x="872373" y="3168968"/>
-              <a:ext cx="124311" cy="81691"/>
+              <a:off x="874078" y="3169164"/>
+              <a:ext cx="124311" cy="80382"/>
             </a:xfrm>
             <a:prstGeom prst="rect">
               <a:avLst/>
@@ -4784,8 +4784,8 @@
                       <a:alpha val="100000"/>
                     </a:srgbClr>
                   </a:solidFill>
-                  <a:latin typeface="Arial"/>
-                  <a:cs typeface="Arial"/>
+                  <a:latin typeface="Helvetica"/>
+                  <a:cs typeface="Helvetica"/>
                 </a:rPr>
                 <a:t>25</a:t>
               </a:r>
@@ -4800,8 +4800,8 @@
           </p:nvSpPr>
           <p:spPr>
             <a:xfrm>
-              <a:off x="872373" y="2290838"/>
-              <a:ext cx="124311" cy="81746"/>
+              <a:off x="874078" y="2291682"/>
+              <a:ext cx="124311" cy="80382"/>
             </a:xfrm>
             <a:prstGeom prst="rect">
               <a:avLst/>
@@ -4830,8 +4830,8 @@
                       <a:alpha val="100000"/>
                     </a:srgbClr>
                   </a:solidFill>
-                  <a:latin typeface="Arial"/>
-                  <a:cs typeface="Arial"/>
+                  <a:latin typeface="Helvetica"/>
+                  <a:cs typeface="Helvetica"/>
                 </a:rPr>
                 <a:t>30</a:t>
               </a:r>
@@ -4846,8 +4846,8 @@
           </p:nvSpPr>
           <p:spPr>
             <a:xfrm>
-              <a:off x="872373" y="1412762"/>
-              <a:ext cx="124311" cy="81746"/>
+              <a:off x="874078" y="1414200"/>
+              <a:ext cx="124311" cy="80382"/>
             </a:xfrm>
             <a:prstGeom prst="rect">
               <a:avLst/>
@@ -4876,8 +4876,8 @@
                       <a:alpha val="100000"/>
                     </a:srgbClr>
                   </a:solidFill>
-                  <a:latin typeface="Arial"/>
-                  <a:cs typeface="Arial"/>
+                  <a:latin typeface="Helvetica"/>
+                  <a:cs typeface="Helvetica"/>
                 </a:rPr>
                 <a:t>35</a:t>
               </a:r>
@@ -4892,7 +4892,7 @@
           </p:nvSpPr>
           <p:spPr>
             <a:xfrm>
-              <a:off x="1024520" y="5844887"/>
+              <a:off x="1026225" y="5841910"/>
               <a:ext cx="34794" cy="0"/>
             </a:xfrm>
             <a:custGeom>
@@ -4932,7 +4932,7 @@
           </p:nvSpPr>
           <p:spPr>
             <a:xfrm>
-              <a:off x="1024520" y="4966812"/>
+              <a:off x="1026225" y="4964428"/>
               <a:ext cx="34794" cy="0"/>
             </a:xfrm>
             <a:custGeom>
@@ -4972,7 +4972,7 @@
           </p:nvSpPr>
           <p:spPr>
             <a:xfrm>
-              <a:off x="1024520" y="4088736"/>
+              <a:off x="1026225" y="4086946"/>
               <a:ext cx="34794" cy="0"/>
             </a:xfrm>
             <a:custGeom>
@@ -5012,7 +5012,7 @@
           </p:nvSpPr>
           <p:spPr>
             <a:xfrm>
-              <a:off x="1024520" y="3210660"/>
+              <a:off x="1026225" y="3209464"/>
               <a:ext cx="34794" cy="0"/>
             </a:xfrm>
             <a:custGeom>
@@ -5052,7 +5052,7 @@
           </p:nvSpPr>
           <p:spPr>
             <a:xfrm>
-              <a:off x="1024520" y="2332584"/>
+              <a:off x="1026225" y="2331982"/>
               <a:ext cx="34794" cy="0"/>
             </a:xfrm>
             <a:custGeom>
@@ -5092,7 +5092,7 @@
           </p:nvSpPr>
           <p:spPr>
             <a:xfrm>
-              <a:off x="1024520" y="1454509"/>
+              <a:off x="1026225" y="1454500"/>
               <a:ext cx="34794" cy="0"/>
             </a:xfrm>
             <a:custGeom>
@@ -5132,7 +5132,7 @@
           </p:nvSpPr>
           <p:spPr>
             <a:xfrm>
-              <a:off x="2249495" y="5980989"/>
+              <a:off x="2250930" y="5977919"/>
               <a:ext cx="0" cy="34794"/>
             </a:xfrm>
             <a:custGeom>
@@ -5172,7 +5172,7 @@
           </p:nvSpPr>
           <p:spPr>
             <a:xfrm>
-              <a:off x="3993221" y="5980989"/>
+              <a:off x="3994260" y="5977919"/>
               <a:ext cx="0" cy="34794"/>
             </a:xfrm>
             <a:custGeom>
@@ -5212,7 +5212,7 @@
           </p:nvSpPr>
           <p:spPr>
             <a:xfrm>
-              <a:off x="5736948" y="5980989"/>
+              <a:off x="5737590" y="5977919"/>
               <a:ext cx="0" cy="34794"/>
             </a:xfrm>
             <a:custGeom>
@@ -5252,7 +5252,7 @@
           </p:nvSpPr>
           <p:spPr>
             <a:xfrm>
-              <a:off x="7480675" y="5980989"/>
+              <a:off x="7480920" y="5977919"/>
               <a:ext cx="0" cy="34794"/>
             </a:xfrm>
             <a:custGeom>
@@ -5292,8 +5292,8 @@
           </p:nvSpPr>
           <p:spPr>
             <a:xfrm>
-              <a:off x="2218417" y="6043292"/>
-              <a:ext cx="62155" cy="80327"/>
+              <a:off x="2219852" y="6042296"/>
+              <a:ext cx="62155" cy="78417"/>
             </a:xfrm>
             <a:prstGeom prst="rect">
               <a:avLst/>
@@ -5322,8 +5322,8 @@
                       <a:alpha val="100000"/>
                     </a:srgbClr>
                   </a:solidFill>
-                  <a:latin typeface="Arial"/>
-                  <a:cs typeface="Arial"/>
+                  <a:latin typeface="Helvetica"/>
+                  <a:cs typeface="Helvetica"/>
                 </a:rPr>
                 <a:t>2</a:t>
               </a:r>
@@ -5338,8 +5338,8 @@
           </p:nvSpPr>
           <p:spPr>
             <a:xfrm>
-              <a:off x="3962144" y="6041873"/>
-              <a:ext cx="62155" cy="81746"/>
+              <a:off x="3963182" y="6040331"/>
+              <a:ext cx="62155" cy="80382"/>
             </a:xfrm>
             <a:prstGeom prst="rect">
               <a:avLst/>
@@ -5368,8 +5368,8 @@
                       <a:alpha val="100000"/>
                     </a:srgbClr>
                   </a:solidFill>
-                  <a:latin typeface="Arial"/>
-                  <a:cs typeface="Arial"/>
+                  <a:latin typeface="Helvetica"/>
+                  <a:cs typeface="Helvetica"/>
                 </a:rPr>
                 <a:t>3</a:t>
               </a:r>
@@ -5384,8 +5384,8 @@
           </p:nvSpPr>
           <p:spPr>
             <a:xfrm>
-              <a:off x="5705870" y="6043619"/>
-              <a:ext cx="62155" cy="80000"/>
+              <a:off x="5706512" y="6042350"/>
+              <a:ext cx="62155" cy="78362"/>
             </a:xfrm>
             <a:prstGeom prst="rect">
               <a:avLst/>
@@ -5414,8 +5414,8 @@
                       <a:alpha val="100000"/>
                     </a:srgbClr>
                   </a:solidFill>
-                  <a:latin typeface="Arial"/>
-                  <a:cs typeface="Arial"/>
+                  <a:latin typeface="Helvetica"/>
+                  <a:cs typeface="Helvetica"/>
                 </a:rPr>
                 <a:t>4</a:t>
               </a:r>
@@ -5430,8 +5430,8 @@
           </p:nvSpPr>
           <p:spPr>
             <a:xfrm>
-              <a:off x="7449597" y="6043346"/>
-              <a:ext cx="62155" cy="80272"/>
+              <a:off x="7449842" y="6041914"/>
+              <a:ext cx="62155" cy="78799"/>
             </a:xfrm>
             <a:prstGeom prst="rect">
               <a:avLst/>
@@ -5460,8 +5460,8 @@
                       <a:alpha val="100000"/>
                     </a:srgbClr>
                   </a:solidFill>
-                  <a:latin typeface="Arial"/>
-                  <a:cs typeface="Arial"/>
+                  <a:latin typeface="Helvetica"/>
+                  <a:cs typeface="Helvetica"/>
                 </a:rPr>
                 <a:t>5</a:t>
               </a:r>
@@ -5476,8 +5476,8 @@
           </p:nvSpPr>
           <p:spPr>
             <a:xfrm>
-              <a:off x="4740307" y="6183230"/>
-              <a:ext cx="139700" cy="98704"/>
+              <a:off x="4741160" y="6185822"/>
+              <a:ext cx="139700" cy="94611"/>
             </a:xfrm>
             <a:prstGeom prst="rect">
               <a:avLst/>
@@ -5506,8 +5506,8 @@
                       <a:alpha val="100000"/>
                     </a:srgbClr>
                   </a:solidFill>
-                  <a:latin typeface="Arial"/>
-                  <a:cs typeface="Arial"/>
+                  <a:latin typeface="Helvetica"/>
+                  <a:cs typeface="Helvetica"/>
                 </a:rPr>
                 <a:t>wt</a:t>
               </a:r>
@@ -5522,8 +5522,8 @@
           </p:nvSpPr>
           <p:spPr>
             <a:xfrm rot="-5400000">
-              <a:off x="620559" y="3659424"/>
-              <a:ext cx="271760" cy="103478"/>
+              <a:off x="619638" y="3656764"/>
+              <a:ext cx="271760" cy="105729"/>
             </a:xfrm>
             <a:prstGeom prst="rect">
               <a:avLst/>
@@ -5552,8 +5552,8 @@
                       <a:alpha val="100000"/>
                     </a:srgbClr>
                   </a:solidFill>
-                  <a:latin typeface="Arial"/>
-                  <a:cs typeface="Arial"/>
+                  <a:latin typeface="Helvetica"/>
+                  <a:cs typeface="Helvetica"/>
                 </a:rPr>
                 <a:t>mpg</a:t>
               </a:r>

--- a/tests/testthat/temp_fullslide_43.pptx
+++ b/tests/testthat/temp_fullslide_43.pptx
@@ -2610,8 +2610,8 @@
           </p:nvSpPr>
           <p:spPr>
             <a:xfrm>
-              <a:off x="1061020" y="1441338"/>
-              <a:ext cx="7499980" cy="4536581"/>
+              <a:off x="1061087" y="1441338"/>
+              <a:ext cx="7499913" cy="4536564"/>
             </a:xfrm>
             <a:prstGeom prst="rect">
               <a:avLst/>
@@ -2636,21 +2636,21 @@
           </p:nvSpPr>
           <p:spPr>
             <a:xfrm>
-              <a:off x="1061020" y="5403169"/>
-              <a:ext cx="7499980" cy="0"/>
+              <a:off x="1061087" y="5403154"/>
+              <a:ext cx="7499913" cy="0"/>
             </a:xfrm>
             <a:custGeom>
               <a:avLst/>
               <a:pathLst>
-                <a:path w="7499980" h="0">
+                <a:path w="7499913" h="0">
                   <a:moveTo>
                     <a:pt x="0" y="0"/>
                   </a:moveTo>
                   <a:lnTo>
-                    <a:pt x="7499980" y="0"/>
+                    <a:pt x="7499913" y="0"/>
                   </a:lnTo>
                   <a:lnTo>
-                    <a:pt x="7499980" y="0"/>
+                    <a:pt x="7499913" y="0"/>
                   </a:lnTo>
                 </a:path>
               </a:pathLst>
@@ -2679,21 +2679,21 @@
           </p:nvSpPr>
           <p:spPr>
             <a:xfrm>
-              <a:off x="1061020" y="4525687"/>
-              <a:ext cx="7499980" cy="0"/>
+              <a:off x="1061087" y="4525675"/>
+              <a:ext cx="7499913" cy="0"/>
             </a:xfrm>
             <a:custGeom>
               <a:avLst/>
               <a:pathLst>
-                <a:path w="7499980" h="0">
+                <a:path w="7499913" h="0">
                   <a:moveTo>
                     <a:pt x="0" y="0"/>
                   </a:moveTo>
                   <a:lnTo>
-                    <a:pt x="7499980" y="0"/>
+                    <a:pt x="7499913" y="0"/>
                   </a:lnTo>
                   <a:lnTo>
-                    <a:pt x="7499980" y="0"/>
+                    <a:pt x="7499913" y="0"/>
                   </a:lnTo>
                 </a:path>
               </a:pathLst>
@@ -2722,21 +2722,21 @@
           </p:nvSpPr>
           <p:spPr>
             <a:xfrm>
-              <a:off x="1061020" y="3648205"/>
-              <a:ext cx="7499980" cy="0"/>
+              <a:off x="1061087" y="3648196"/>
+              <a:ext cx="7499913" cy="0"/>
             </a:xfrm>
             <a:custGeom>
               <a:avLst/>
               <a:pathLst>
-                <a:path w="7499980" h="0">
+                <a:path w="7499913" h="0">
                   <a:moveTo>
                     <a:pt x="0" y="0"/>
                   </a:moveTo>
                   <a:lnTo>
-                    <a:pt x="7499980" y="0"/>
+                    <a:pt x="7499913" y="0"/>
                   </a:lnTo>
                   <a:lnTo>
-                    <a:pt x="7499980" y="0"/>
+                    <a:pt x="7499913" y="0"/>
                   </a:lnTo>
                 </a:path>
               </a:pathLst>
@@ -2765,21 +2765,21 @@
           </p:nvSpPr>
           <p:spPr>
             <a:xfrm>
-              <a:off x="1061020" y="2770723"/>
-              <a:ext cx="7499980" cy="0"/>
+              <a:off x="1061087" y="2770718"/>
+              <a:ext cx="7499913" cy="0"/>
             </a:xfrm>
             <a:custGeom>
               <a:avLst/>
               <a:pathLst>
-                <a:path w="7499980" h="0">
+                <a:path w="7499913" h="0">
                   <a:moveTo>
                     <a:pt x="0" y="0"/>
                   </a:moveTo>
                   <a:lnTo>
-                    <a:pt x="7499980" y="0"/>
+                    <a:pt x="7499913" y="0"/>
                   </a:lnTo>
                   <a:lnTo>
-                    <a:pt x="7499980" y="0"/>
+                    <a:pt x="7499913" y="0"/>
                   </a:lnTo>
                 </a:path>
               </a:pathLst>
@@ -2808,21 +2808,21 @@
           </p:nvSpPr>
           <p:spPr>
             <a:xfrm>
-              <a:off x="1061020" y="1893241"/>
-              <a:ext cx="7499980" cy="0"/>
+              <a:off x="1061087" y="1893239"/>
+              <a:ext cx="7499913" cy="0"/>
             </a:xfrm>
             <a:custGeom>
               <a:avLst/>
               <a:pathLst>
-                <a:path w="7499980" h="0">
+                <a:path w="7499913" h="0">
                   <a:moveTo>
                     <a:pt x="0" y="0"/>
                   </a:moveTo>
                   <a:lnTo>
-                    <a:pt x="7499980" y="0"/>
+                    <a:pt x="7499913" y="0"/>
                   </a:lnTo>
                   <a:lnTo>
-                    <a:pt x="7499980" y="0"/>
+                    <a:pt x="7499913" y="0"/>
                   </a:lnTo>
                 </a:path>
               </a:pathLst>
@@ -2851,15 +2851,15 @@
           </p:nvSpPr>
           <p:spPr>
             <a:xfrm>
-              <a:off x="1379264" y="1441338"/>
-              <a:ext cx="0" cy="4536581"/>
+              <a:off x="1379329" y="1441338"/>
+              <a:ext cx="0" cy="4536564"/>
             </a:xfrm>
             <a:custGeom>
               <a:avLst/>
               <a:pathLst>
-                <a:path w="0" h="4536581">
+                <a:path w="0" h="4536564">
                   <a:moveTo>
-                    <a:pt x="0" y="4536581"/>
+                    <a:pt x="0" y="4536564"/>
                   </a:moveTo>
                   <a:lnTo>
                     <a:pt x="0" y="0"/>
@@ -2894,15 +2894,15 @@
           </p:nvSpPr>
           <p:spPr>
             <a:xfrm>
-              <a:off x="3122595" y="1441338"/>
-              <a:ext cx="0" cy="4536581"/>
+              <a:off x="3122643" y="1441338"/>
+              <a:ext cx="0" cy="4536564"/>
             </a:xfrm>
             <a:custGeom>
               <a:avLst/>
               <a:pathLst>
-                <a:path w="0" h="4536581">
+                <a:path w="0" h="4536564">
                   <a:moveTo>
-                    <a:pt x="0" y="4536581"/>
+                    <a:pt x="0" y="4536564"/>
                   </a:moveTo>
                   <a:lnTo>
                     <a:pt x="0" y="0"/>
@@ -2937,15 +2937,15 @@
           </p:nvSpPr>
           <p:spPr>
             <a:xfrm>
-              <a:off x="4865925" y="1441338"/>
-              <a:ext cx="0" cy="4536581"/>
+              <a:off x="4865958" y="1441338"/>
+              <a:ext cx="0" cy="4536564"/>
             </a:xfrm>
             <a:custGeom>
               <a:avLst/>
               <a:pathLst>
-                <a:path w="0" h="4536581">
+                <a:path w="0" h="4536564">
                   <a:moveTo>
-                    <a:pt x="0" y="4536581"/>
+                    <a:pt x="0" y="4536564"/>
                   </a:moveTo>
                   <a:lnTo>
                     <a:pt x="0" y="0"/>
@@ -2980,15 +2980,15 @@
           </p:nvSpPr>
           <p:spPr>
             <a:xfrm>
-              <a:off x="6609255" y="1441338"/>
-              <a:ext cx="0" cy="4536581"/>
+              <a:off x="6609273" y="1441338"/>
+              <a:ext cx="0" cy="4536564"/>
             </a:xfrm>
             <a:custGeom>
               <a:avLst/>
               <a:pathLst>
-                <a:path w="0" h="4536581">
+                <a:path w="0" h="4536564">
                   <a:moveTo>
-                    <a:pt x="0" y="4536581"/>
+                    <a:pt x="0" y="4536564"/>
                   </a:moveTo>
                   <a:lnTo>
                     <a:pt x="0" y="0"/>
@@ -3023,15 +3023,15 @@
           </p:nvSpPr>
           <p:spPr>
             <a:xfrm>
-              <a:off x="8352585" y="1441338"/>
-              <a:ext cx="0" cy="4536581"/>
+              <a:off x="8352587" y="1441338"/>
+              <a:ext cx="0" cy="4536564"/>
             </a:xfrm>
             <a:custGeom>
               <a:avLst/>
               <a:pathLst>
-                <a:path w="0" h="4536581">
+                <a:path w="0" h="4536564">
                   <a:moveTo>
-                    <a:pt x="0" y="4536581"/>
+                    <a:pt x="0" y="4536564"/>
                   </a:moveTo>
                   <a:lnTo>
                     <a:pt x="0" y="0"/>
@@ -3066,21 +3066,21 @@
           </p:nvSpPr>
           <p:spPr>
             <a:xfrm>
-              <a:off x="1061020" y="5841910"/>
-              <a:ext cx="7499980" cy="0"/>
+              <a:off x="1061087" y="5841893"/>
+              <a:ext cx="7499913" cy="0"/>
             </a:xfrm>
             <a:custGeom>
               <a:avLst/>
               <a:pathLst>
-                <a:path w="7499980" h="0">
+                <a:path w="7499913" h="0">
                   <a:moveTo>
                     <a:pt x="0" y="0"/>
                   </a:moveTo>
                   <a:lnTo>
-                    <a:pt x="7499980" y="0"/>
+                    <a:pt x="7499913" y="0"/>
                   </a:lnTo>
                   <a:lnTo>
-                    <a:pt x="7499980" y="0"/>
+                    <a:pt x="7499913" y="0"/>
                   </a:lnTo>
                 </a:path>
               </a:pathLst>
@@ -3109,21 +3109,21 @@
           </p:nvSpPr>
           <p:spPr>
             <a:xfrm>
-              <a:off x="1061020" y="4964428"/>
-              <a:ext cx="7499980" cy="0"/>
+              <a:off x="1061087" y="4964414"/>
+              <a:ext cx="7499913" cy="0"/>
             </a:xfrm>
             <a:custGeom>
               <a:avLst/>
               <a:pathLst>
-                <a:path w="7499980" h="0">
+                <a:path w="7499913" h="0">
                   <a:moveTo>
                     <a:pt x="0" y="0"/>
                   </a:moveTo>
                   <a:lnTo>
-                    <a:pt x="7499980" y="0"/>
+                    <a:pt x="7499913" y="0"/>
                   </a:lnTo>
                   <a:lnTo>
-                    <a:pt x="7499980" y="0"/>
+                    <a:pt x="7499913" y="0"/>
                   </a:lnTo>
                 </a:path>
               </a:pathLst>
@@ -3152,21 +3152,21 @@
           </p:nvSpPr>
           <p:spPr>
             <a:xfrm>
-              <a:off x="1061020" y="4086946"/>
-              <a:ext cx="7499980" cy="0"/>
+              <a:off x="1061087" y="4086936"/>
+              <a:ext cx="7499913" cy="0"/>
             </a:xfrm>
             <a:custGeom>
               <a:avLst/>
               <a:pathLst>
-                <a:path w="7499980" h="0">
+                <a:path w="7499913" h="0">
                   <a:moveTo>
                     <a:pt x="0" y="0"/>
                   </a:moveTo>
                   <a:lnTo>
-                    <a:pt x="7499980" y="0"/>
+                    <a:pt x="7499913" y="0"/>
                   </a:lnTo>
                   <a:lnTo>
-                    <a:pt x="7499980" y="0"/>
+                    <a:pt x="7499913" y="0"/>
                   </a:lnTo>
                 </a:path>
               </a:pathLst>
@@ -3195,21 +3195,21 @@
           </p:nvSpPr>
           <p:spPr>
             <a:xfrm>
-              <a:off x="1061020" y="3209464"/>
-              <a:ext cx="7499980" cy="0"/>
+              <a:off x="1061087" y="3209457"/>
+              <a:ext cx="7499913" cy="0"/>
             </a:xfrm>
             <a:custGeom>
               <a:avLst/>
               <a:pathLst>
-                <a:path w="7499980" h="0">
+                <a:path w="7499913" h="0">
                   <a:moveTo>
                     <a:pt x="0" y="0"/>
                   </a:moveTo>
                   <a:lnTo>
-                    <a:pt x="7499980" y="0"/>
+                    <a:pt x="7499913" y="0"/>
                   </a:lnTo>
                   <a:lnTo>
-                    <a:pt x="7499980" y="0"/>
+                    <a:pt x="7499913" y="0"/>
                   </a:lnTo>
                 </a:path>
               </a:pathLst>
@@ -3238,21 +3238,21 @@
           </p:nvSpPr>
           <p:spPr>
             <a:xfrm>
-              <a:off x="1061020" y="2331982"/>
-              <a:ext cx="7499980" cy="0"/>
+              <a:off x="1061087" y="2331978"/>
+              <a:ext cx="7499913" cy="0"/>
             </a:xfrm>
             <a:custGeom>
               <a:avLst/>
               <a:pathLst>
-                <a:path w="7499980" h="0">
+                <a:path w="7499913" h="0">
                   <a:moveTo>
                     <a:pt x="0" y="0"/>
                   </a:moveTo>
                   <a:lnTo>
-                    <a:pt x="7499980" y="0"/>
+                    <a:pt x="7499913" y="0"/>
                   </a:lnTo>
                   <a:lnTo>
-                    <a:pt x="7499980" y="0"/>
+                    <a:pt x="7499913" y="0"/>
                   </a:lnTo>
                 </a:path>
               </a:pathLst>
@@ -3281,21 +3281,21 @@
           </p:nvSpPr>
           <p:spPr>
             <a:xfrm>
-              <a:off x="1061020" y="1454500"/>
-              <a:ext cx="7499980" cy="0"/>
+              <a:off x="1061087" y="1454500"/>
+              <a:ext cx="7499913" cy="0"/>
             </a:xfrm>
             <a:custGeom>
               <a:avLst/>
               <a:pathLst>
-                <a:path w="7499980" h="0">
+                <a:path w="7499913" h="0">
                   <a:moveTo>
                     <a:pt x="0" y="0"/>
                   </a:moveTo>
                   <a:lnTo>
-                    <a:pt x="7499980" y="0"/>
+                    <a:pt x="7499913" y="0"/>
                   </a:lnTo>
                   <a:lnTo>
-                    <a:pt x="7499980" y="0"/>
+                    <a:pt x="7499913" y="0"/>
                   </a:lnTo>
                 </a:path>
               </a:pathLst>
@@ -3324,15 +3324,15 @@
           </p:nvSpPr>
           <p:spPr>
             <a:xfrm>
-              <a:off x="2250930" y="1441338"/>
-              <a:ext cx="0" cy="4536581"/>
+              <a:off x="2250986" y="1441338"/>
+              <a:ext cx="0" cy="4536564"/>
             </a:xfrm>
             <a:custGeom>
               <a:avLst/>
               <a:pathLst>
-                <a:path w="0" h="4536581">
+                <a:path w="0" h="4536564">
                   <a:moveTo>
-                    <a:pt x="0" y="4536581"/>
+                    <a:pt x="0" y="4536564"/>
                   </a:moveTo>
                   <a:lnTo>
                     <a:pt x="0" y="0"/>
@@ -3367,15 +3367,15 @@
           </p:nvSpPr>
           <p:spPr>
             <a:xfrm>
-              <a:off x="3994260" y="1441338"/>
-              <a:ext cx="0" cy="4536581"/>
+              <a:off x="3994301" y="1441338"/>
+              <a:ext cx="0" cy="4536564"/>
             </a:xfrm>
             <a:custGeom>
               <a:avLst/>
               <a:pathLst>
-                <a:path w="0" h="4536581">
+                <a:path w="0" h="4536564">
                   <a:moveTo>
-                    <a:pt x="0" y="4536581"/>
+                    <a:pt x="0" y="4536564"/>
                   </a:moveTo>
                   <a:lnTo>
                     <a:pt x="0" y="0"/>
@@ -3410,15 +3410,15 @@
           </p:nvSpPr>
           <p:spPr>
             <a:xfrm>
-              <a:off x="5737590" y="1441338"/>
-              <a:ext cx="0" cy="4536581"/>
+              <a:off x="5737615" y="1441338"/>
+              <a:ext cx="0" cy="4536564"/>
             </a:xfrm>
             <a:custGeom>
               <a:avLst/>
               <a:pathLst>
-                <a:path w="0" h="4536581">
+                <a:path w="0" h="4536564">
                   <a:moveTo>
-                    <a:pt x="0" y="4536581"/>
+                    <a:pt x="0" y="4536564"/>
                   </a:moveTo>
                   <a:lnTo>
                     <a:pt x="0" y="0"/>
@@ -3453,15 +3453,15 @@
           </p:nvSpPr>
           <p:spPr>
             <a:xfrm>
-              <a:off x="7480920" y="1441338"/>
-              <a:ext cx="0" cy="4536581"/>
+              <a:off x="7480930" y="1441338"/>
+              <a:ext cx="0" cy="4536564"/>
             </a:xfrm>
             <a:custGeom>
               <a:avLst/>
               <a:pathLst>
-                <a:path w="0" h="4536581">
+                <a:path w="0" h="4536564">
                   <a:moveTo>
-                    <a:pt x="0" y="4536581"/>
+                    <a:pt x="0" y="4536564"/>
                   </a:moveTo>
                   <a:lnTo>
                     <a:pt x="0" y="0"/>
@@ -3496,7 +3496,7 @@
           </p:nvSpPr>
           <p:spPr>
             <a:xfrm>
-              <a:off x="3298719" y="3878374"/>
+              <a:off x="3298766" y="3878365"/>
               <a:ext cx="66150" cy="66150"/>
             </a:xfrm>
             <a:prstGeom prst="ellipse">
@@ -3531,7 +3531,7 @@
           </p:nvSpPr>
           <p:spPr>
             <a:xfrm>
-              <a:off x="3743269" y="3878374"/>
+              <a:off x="3743311" y="3878365"/>
               <a:ext cx="66150" cy="66150"/>
             </a:xfrm>
             <a:prstGeom prst="ellipse">
@@ -3566,7 +3566,7 @@
           </p:nvSpPr>
           <p:spPr>
             <a:xfrm>
-              <a:off x="2775720" y="3562481"/>
+              <a:off x="2775772" y="3562473"/>
               <a:ext cx="66150" cy="66150"/>
             </a:xfrm>
             <a:prstGeom prst="ellipse">
@@ -3601,7 +3601,7 @@
           </p:nvSpPr>
           <p:spPr>
             <a:xfrm>
-              <a:off x="4336001" y="3808176"/>
+              <a:off x="4336038" y="3808167"/>
               <a:ext cx="66150" cy="66150"/>
             </a:xfrm>
             <a:prstGeom prst="ellipse">
@@ -3636,7 +3636,7 @@
           </p:nvSpPr>
           <p:spPr>
             <a:xfrm>
-              <a:off x="4728250" y="4282016"/>
+              <a:off x="4728284" y="4282005"/>
               <a:ext cx="66150" cy="66150"/>
             </a:xfrm>
             <a:prstGeom prst="ellipse">
@@ -3671,7 +3671,7 @@
           </p:nvSpPr>
           <p:spPr>
             <a:xfrm>
-              <a:off x="4763117" y="4387314"/>
+              <a:off x="4763150" y="4387303"/>
               <a:ext cx="66150" cy="66150"/>
             </a:xfrm>
             <a:prstGeom prst="ellipse">
@@ -3706,7 +3706,7 @@
           </p:nvSpPr>
           <p:spPr>
             <a:xfrm>
-              <a:off x="4954883" y="5054200"/>
+              <a:off x="4954915" y="5054186"/>
               <a:ext cx="66150" cy="66150"/>
             </a:xfrm>
             <a:prstGeom prst="ellipse">
@@ -3741,7 +3741,7 @@
           </p:nvSpPr>
           <p:spPr>
             <a:xfrm>
-              <a:off x="4292418" y="3281687"/>
+              <a:off x="4292455" y="3281679"/>
               <a:ext cx="66150" cy="66150"/>
             </a:xfrm>
             <a:prstGeom prst="ellipse">
@@ -3776,7 +3776,7 @@
           </p:nvSpPr>
           <p:spPr>
             <a:xfrm>
-              <a:off x="4222684" y="3562481"/>
+              <a:off x="4222723" y="3562473"/>
               <a:ext cx="66150" cy="66150"/>
             </a:xfrm>
             <a:prstGeom prst="ellipse">
@@ -3811,7 +3811,7 @@
           </p:nvSpPr>
           <p:spPr>
             <a:xfrm>
-              <a:off x="4728250" y="4194268"/>
+              <a:off x="4728284" y="4194257"/>
               <a:ext cx="66150" cy="66150"/>
             </a:xfrm>
             <a:prstGeom prst="ellipse">
@@ -3846,7 +3846,7 @@
           </p:nvSpPr>
           <p:spPr>
             <a:xfrm>
-              <a:off x="4728250" y="4439963"/>
+              <a:off x="4728284" y="4439951"/>
               <a:ext cx="66150" cy="66150"/>
             </a:xfrm>
             <a:prstGeom prst="ellipse">
@@ -3881,7 +3881,7 @@
           </p:nvSpPr>
           <p:spPr>
             <a:xfrm>
-              <a:off x="5826548" y="4685658"/>
+              <a:off x="5826572" y="4685645"/>
               <a:ext cx="66150" cy="66150"/>
             </a:xfrm>
             <a:prstGeom prst="ellipse">
@@ -3916,7 +3916,7 @@
           </p:nvSpPr>
           <p:spPr>
             <a:xfrm>
-              <a:off x="5233816" y="4527711"/>
+              <a:off x="5233845" y="4527699"/>
               <a:ext cx="66150" cy="66150"/>
             </a:xfrm>
             <a:prstGeom prst="ellipse">
@@ -3951,7 +3951,7 @@
           </p:nvSpPr>
           <p:spPr>
             <a:xfrm>
-              <a:off x="5320982" y="4896253"/>
+              <a:off x="5321011" y="4896240"/>
               <a:ext cx="66150" cy="66150"/>
             </a:xfrm>
             <a:prstGeom prst="ellipse">
@@ -3986,7 +3986,7 @@
           </p:nvSpPr>
           <p:spPr>
             <a:xfrm>
-              <a:off x="7883678" y="5738636"/>
+              <a:off x="7883684" y="5738620"/>
               <a:ext cx="66150" cy="66150"/>
             </a:xfrm>
             <a:prstGeom prst="ellipse">
@@ -4021,7 +4021,7 @@
           </p:nvSpPr>
           <p:spPr>
             <a:xfrm>
-              <a:off x="8187017" y="5738636"/>
+              <a:off x="8187020" y="5738620"/>
               <a:ext cx="66150" cy="66150"/>
             </a:xfrm>
             <a:prstGeom prst="ellipse">
@@ -4056,7 +4056,7 @@
           </p:nvSpPr>
           <p:spPr>
             <a:xfrm>
-              <a:off x="8049294" y="4984002"/>
+              <a:off x="8049298" y="4983988"/>
               <a:ext cx="66150" cy="66150"/>
             </a:xfrm>
             <a:prstGeom prst="ellipse">
@@ -4091,7 +4091,7 @@
           </p:nvSpPr>
           <p:spPr>
             <a:xfrm>
-              <a:off x="2566521" y="1877715"/>
+              <a:off x="2566574" y="1877714"/>
               <a:ext cx="66150" cy="66150"/>
             </a:xfrm>
             <a:prstGeom prst="ellipse">
@@ -4126,7 +4126,7 @@
           </p:nvSpPr>
           <p:spPr>
             <a:xfrm>
-              <a:off x="1546672" y="2228708"/>
+              <a:off x="1546735" y="2228705"/>
               <a:ext cx="66150" cy="66150"/>
             </a:xfrm>
             <a:prstGeom prst="ellipse">
@@ -4161,7 +4161,7 @@
           </p:nvSpPr>
           <p:spPr>
             <a:xfrm>
-              <a:off x="1930205" y="1614471"/>
+              <a:off x="1930264" y="1614470"/>
               <a:ext cx="66150" cy="66150"/>
             </a:xfrm>
             <a:prstGeom prst="ellipse">
@@ -4196,7 +4196,7 @@
           </p:nvSpPr>
           <p:spPr>
             <a:xfrm>
-              <a:off x="3028503" y="3790626"/>
+              <a:off x="3028552" y="3790617"/>
               <a:ext cx="66150" cy="66150"/>
             </a:xfrm>
             <a:prstGeom prst="ellipse">
@@ -4231,7 +4231,7 @@
           </p:nvSpPr>
           <p:spPr>
             <a:xfrm>
-              <a:off x="4867717" y="4843605"/>
+              <a:off x="4867749" y="4843591"/>
               <a:ext cx="66150" cy="66150"/>
             </a:xfrm>
             <a:prstGeom prst="ellipse">
@@ -4266,7 +4266,7 @@
           </p:nvSpPr>
           <p:spPr>
             <a:xfrm>
-              <a:off x="4719533" y="4896253"/>
+              <a:off x="4719567" y="4896240"/>
               <a:ext cx="66150" cy="66150"/>
             </a:xfrm>
             <a:prstGeom prst="ellipse">
@@ -4301,7 +4301,7 @@
           </p:nvSpPr>
           <p:spPr>
             <a:xfrm>
-              <a:off x="5425582" y="5229697"/>
+              <a:off x="5425610" y="5229682"/>
               <a:ext cx="66150" cy="66150"/>
             </a:xfrm>
             <a:prstGeom prst="ellipse">
@@ -4336,7 +4336,7 @@
           </p:nvSpPr>
           <p:spPr>
             <a:xfrm>
-              <a:off x="5434299" y="4194268"/>
+              <a:off x="5434326" y="4194257"/>
               <a:ext cx="66150" cy="66150"/>
             </a:xfrm>
             <a:prstGeom prst="ellipse">
@@ -4371,7 +4371,7 @@
           </p:nvSpPr>
           <p:spPr>
             <a:xfrm>
-              <a:off x="2104538" y="2772747"/>
+              <a:off x="2104596" y="2772742"/>
               <a:ext cx="66150" cy="66150"/>
             </a:xfrm>
             <a:prstGeom prst="ellipse">
@@ -4406,7 +4406,7 @@
           </p:nvSpPr>
           <p:spPr>
             <a:xfrm>
-              <a:off x="2461921" y="3000892"/>
+              <a:off x="2461975" y="3000886"/>
               <a:ext cx="66150" cy="66150"/>
             </a:xfrm>
             <a:prstGeom prst="ellipse">
@@ -4441,7 +4441,7 @@
           </p:nvSpPr>
           <p:spPr>
             <a:xfrm>
-              <a:off x="1368853" y="2228708"/>
+              <a:off x="1368917" y="2228705"/>
               <a:ext cx="66150" cy="66150"/>
             </a:xfrm>
             <a:prstGeom prst="ellipse">
@@ -4476,7 +4476,7 @@
           </p:nvSpPr>
           <p:spPr>
             <a:xfrm>
-              <a:off x="4257551" y="4790956"/>
+              <a:off x="4257589" y="4790943"/>
               <a:ext cx="66150" cy="66150"/>
             </a:xfrm>
             <a:prstGeom prst="ellipse">
@@ -4511,7 +4511,7 @@
           </p:nvSpPr>
           <p:spPr>
             <a:xfrm>
-              <a:off x="3560219" y="4106520"/>
+              <a:off x="3560263" y="4106509"/>
               <a:ext cx="66150" cy="66150"/>
             </a:xfrm>
             <a:prstGeom prst="ellipse">
@@ -4546,7 +4546,7 @@
           </p:nvSpPr>
           <p:spPr>
             <a:xfrm>
-              <a:off x="4954883" y="4931353"/>
+              <a:off x="4954915" y="4931339"/>
               <a:ext cx="66150" cy="66150"/>
             </a:xfrm>
             <a:prstGeom prst="ellipse">
@@ -4581,7 +4581,7 @@
           </p:nvSpPr>
           <p:spPr>
             <a:xfrm>
-              <a:off x="3577652" y="3808176"/>
+              <a:off x="3577696" y="3808167"/>
               <a:ext cx="66150" cy="66150"/>
             </a:xfrm>
             <a:prstGeom prst="ellipse">
@@ -4616,8 +4616,8 @@
           </p:nvSpPr>
           <p:spPr>
             <a:xfrm>
-              <a:off x="874078" y="5801719"/>
-              <a:ext cx="124311" cy="80272"/>
+              <a:off x="874098" y="5801842"/>
+              <a:ext cx="124358" cy="80101"/>
             </a:xfrm>
             <a:prstGeom prst="rect">
               <a:avLst/>
@@ -4662,8 +4662,8 @@
           </p:nvSpPr>
           <p:spPr>
             <a:xfrm>
-              <a:off x="874078" y="4924728"/>
-              <a:ext cx="124311" cy="79781"/>
+              <a:off x="874098" y="4924364"/>
+              <a:ext cx="124358" cy="80101"/>
             </a:xfrm>
             <a:prstGeom prst="rect">
               <a:avLst/>
@@ -4708,8 +4708,8 @@
           </p:nvSpPr>
           <p:spPr>
             <a:xfrm>
-              <a:off x="874078" y="4046482"/>
-              <a:ext cx="124311" cy="80545"/>
+              <a:off x="874098" y="4046885"/>
+              <a:ext cx="124358" cy="80101"/>
             </a:xfrm>
             <a:prstGeom prst="rect">
               <a:avLst/>
@@ -4754,8 +4754,8 @@
           </p:nvSpPr>
           <p:spPr>
             <a:xfrm>
-              <a:off x="874078" y="3169164"/>
-              <a:ext cx="124311" cy="80382"/>
+              <a:off x="874098" y="3169406"/>
+              <a:ext cx="124358" cy="80101"/>
             </a:xfrm>
             <a:prstGeom prst="rect">
               <a:avLst/>
@@ -4800,8 +4800,8 @@
           </p:nvSpPr>
           <p:spPr>
             <a:xfrm>
-              <a:off x="874078" y="2291682"/>
-              <a:ext cx="124311" cy="80382"/>
+              <a:off x="874098" y="2291928"/>
+              <a:ext cx="124358" cy="80101"/>
             </a:xfrm>
             <a:prstGeom prst="rect">
               <a:avLst/>
@@ -4846,8 +4846,8 @@
           </p:nvSpPr>
           <p:spPr>
             <a:xfrm>
-              <a:off x="874078" y="1414200"/>
-              <a:ext cx="124311" cy="80382"/>
+              <a:off x="874098" y="1414449"/>
+              <a:ext cx="124358" cy="80101"/>
             </a:xfrm>
             <a:prstGeom prst="rect">
               <a:avLst/>
@@ -4892,7 +4892,7 @@
           </p:nvSpPr>
           <p:spPr>
             <a:xfrm>
-              <a:off x="1026225" y="5841910"/>
+              <a:off x="1026292" y="5841893"/>
               <a:ext cx="34794" cy="0"/>
             </a:xfrm>
             <a:custGeom>
@@ -4932,7 +4932,7 @@
           </p:nvSpPr>
           <p:spPr>
             <a:xfrm>
-              <a:off x="1026225" y="4964428"/>
+              <a:off x="1026292" y="4964414"/>
               <a:ext cx="34794" cy="0"/>
             </a:xfrm>
             <a:custGeom>
@@ -4972,7 +4972,7 @@
           </p:nvSpPr>
           <p:spPr>
             <a:xfrm>
-              <a:off x="1026225" y="4086946"/>
+              <a:off x="1026292" y="4086936"/>
               <a:ext cx="34794" cy="0"/>
             </a:xfrm>
             <a:custGeom>
@@ -5012,7 +5012,7 @@
           </p:nvSpPr>
           <p:spPr>
             <a:xfrm>
-              <a:off x="1026225" y="3209464"/>
+              <a:off x="1026292" y="3209457"/>
               <a:ext cx="34794" cy="0"/>
             </a:xfrm>
             <a:custGeom>
@@ -5052,7 +5052,7 @@
           </p:nvSpPr>
           <p:spPr>
             <a:xfrm>
-              <a:off x="1026225" y="2331982"/>
+              <a:off x="1026292" y="2331978"/>
               <a:ext cx="34794" cy="0"/>
             </a:xfrm>
             <a:custGeom>
@@ -5092,7 +5092,7 @@
           </p:nvSpPr>
           <p:spPr>
             <a:xfrm>
-              <a:off x="1026225" y="1454500"/>
+              <a:off x="1026292" y="1454500"/>
               <a:ext cx="34794" cy="0"/>
             </a:xfrm>
             <a:custGeom>
@@ -5132,7 +5132,7 @@
           </p:nvSpPr>
           <p:spPr>
             <a:xfrm>
-              <a:off x="2250930" y="5977919"/>
+              <a:off x="2250986" y="5977902"/>
               <a:ext cx="0" cy="34794"/>
             </a:xfrm>
             <a:custGeom>
@@ -5172,7 +5172,7 @@
           </p:nvSpPr>
           <p:spPr>
             <a:xfrm>
-              <a:off x="3994260" y="5977919"/>
+              <a:off x="3994301" y="5977902"/>
               <a:ext cx="0" cy="34794"/>
             </a:xfrm>
             <a:custGeom>
@@ -5212,7 +5212,7 @@
           </p:nvSpPr>
           <p:spPr>
             <a:xfrm>
-              <a:off x="5737590" y="5977919"/>
+              <a:off x="5737615" y="5977902"/>
               <a:ext cx="0" cy="34794"/>
             </a:xfrm>
             <a:custGeom>
@@ -5252,7 +5252,7 @@
           </p:nvSpPr>
           <p:spPr>
             <a:xfrm>
-              <a:off x="7480920" y="5977919"/>
+              <a:off x="7480930" y="5977902"/>
               <a:ext cx="0" cy="34794"/>
             </a:xfrm>
             <a:custGeom>
@@ -5292,8 +5292,8 @@
           </p:nvSpPr>
           <p:spPr>
             <a:xfrm>
-              <a:off x="2219852" y="6042296"/>
-              <a:ext cx="62155" cy="78417"/>
+              <a:off x="2219896" y="6040532"/>
+              <a:ext cx="62179" cy="80101"/>
             </a:xfrm>
             <a:prstGeom prst="rect">
               <a:avLst/>
@@ -5338,8 +5338,8 @@
           </p:nvSpPr>
           <p:spPr>
             <a:xfrm>
-              <a:off x="3963182" y="6040331"/>
-              <a:ext cx="62155" cy="80382"/>
+              <a:off x="3963211" y="6040532"/>
+              <a:ext cx="62179" cy="80101"/>
             </a:xfrm>
             <a:prstGeom prst="rect">
               <a:avLst/>
@@ -5384,8 +5384,8 @@
           </p:nvSpPr>
           <p:spPr>
             <a:xfrm>
-              <a:off x="5706512" y="6042350"/>
-              <a:ext cx="62155" cy="78362"/>
+              <a:off x="5706526" y="6040532"/>
+              <a:ext cx="62179" cy="80101"/>
             </a:xfrm>
             <a:prstGeom prst="rect">
               <a:avLst/>
@@ -5430,8 +5430,8 @@
           </p:nvSpPr>
           <p:spPr>
             <a:xfrm>
-              <a:off x="7449842" y="6041914"/>
-              <a:ext cx="62155" cy="78799"/>
+              <a:off x="7449840" y="6040532"/>
+              <a:ext cx="62179" cy="80101"/>
             </a:xfrm>
             <a:prstGeom prst="rect">
               <a:avLst/>
@@ -5476,8 +5476,8 @@
           </p:nvSpPr>
           <p:spPr>
             <a:xfrm>
-              <a:off x="4741160" y="6185822"/>
-              <a:ext cx="139700" cy="94611"/>
+              <a:off x="4741229" y="6180208"/>
+              <a:ext cx="139628" cy="100218"/>
             </a:xfrm>
             <a:prstGeom prst="rect">
               <a:avLst/>
@@ -5522,8 +5522,8 @@
           </p:nvSpPr>
           <p:spPr>
             <a:xfrm rot="-5400000">
-              <a:off x="619638" y="3656764"/>
-              <a:ext cx="271760" cy="105729"/>
+              <a:off x="622362" y="3659511"/>
+              <a:ext cx="271851" cy="100218"/>
             </a:xfrm>
             <a:prstGeom prst="rect">
               <a:avLst/>
